--- a/_PowerPoints/1st Semester/Unit 2 Relations and Functions/Algebra3_Day_019 2.7 Absolute Value Functions.pptx
+++ b/_PowerPoints/1st Semester/Unit 2 Relations and Functions/Algebra3_Day_019 2.7 Absolute Value Functions.pptx
@@ -7,18 +7,15 @@
   <p:sldIdLst>
     <p:sldId id="274" r:id="rId2"/>
     <p:sldId id="263" r:id="rId3"/>
-    <p:sldId id="284" r:id="rId4"/>
-    <p:sldId id="285" r:id="rId5"/>
-    <p:sldId id="286" r:id="rId6"/>
-    <p:sldId id="283" r:id="rId7"/>
-    <p:sldId id="258" r:id="rId8"/>
-    <p:sldId id="280" r:id="rId9"/>
-    <p:sldId id="281" r:id="rId10"/>
-    <p:sldId id="287" r:id="rId11"/>
-    <p:sldId id="288" r:id="rId12"/>
-    <p:sldId id="278" r:id="rId13"/>
-    <p:sldId id="289" r:id="rId14"/>
-    <p:sldId id="269" r:id="rId15"/>
+    <p:sldId id="283" r:id="rId4"/>
+    <p:sldId id="258" r:id="rId5"/>
+    <p:sldId id="280" r:id="rId6"/>
+    <p:sldId id="281" r:id="rId7"/>
+    <p:sldId id="287" r:id="rId8"/>
+    <p:sldId id="288" r:id="rId9"/>
+    <p:sldId id="278" r:id="rId10"/>
+    <p:sldId id="289" r:id="rId11"/>
+    <p:sldId id="269" r:id="rId12"/>
   </p:sldIdLst>
   <p:sldSz cx="12192000" cy="6858000"/>
   <p:notesSz cx="6858000" cy="9144000"/>
@@ -295,7 +292,7 @@
             <a:fld id="{87DE6118-2437-4B30-8E3C-4D2BE6020583}" type="datetimeFigureOut">
               <a:rPr lang="en-US" dirty="0"/>
               <a:pPr/>
-              <a:t>10/13/2017</a:t>
+              <a:t>10/22/2018</a:t>
             </a:fld>
             <a:endParaRPr lang="en-US" dirty="0"/>
           </a:p>
@@ -621,7 +618,7 @@
           <a:p>
             <a:fld id="{87DE6118-2437-4B30-8E3C-4D2BE6020583}" type="datetimeFigureOut">
               <a:rPr lang="en-US" dirty="0"/>
-              <a:t>10/13/2017</a:t>
+              <a:t>10/22/2018</a:t>
             </a:fld>
             <a:endParaRPr lang="en-US" dirty="0"/>
           </a:p>
@@ -796,7 +793,7 @@
           <a:p>
             <a:fld id="{87DE6118-2437-4B30-8E3C-4D2BE6020583}" type="datetimeFigureOut">
               <a:rPr lang="en-US" dirty="0"/>
-              <a:t>10/13/2017</a:t>
+              <a:t>10/22/2018</a:t>
             </a:fld>
             <a:endParaRPr lang="en-US" dirty="0"/>
           </a:p>
@@ -961,7 +958,7 @@
           <a:p>
             <a:fld id="{87DE6118-2437-4B30-8E3C-4D2BE6020583}" type="datetimeFigureOut">
               <a:rPr lang="en-US" dirty="0"/>
-              <a:t>10/13/2017</a:t>
+              <a:t>10/22/2018</a:t>
             </a:fld>
             <a:endParaRPr lang="en-US" dirty="0"/>
           </a:p>
@@ -1234,7 +1231,7 @@
             <a:fld id="{87DE6118-2437-4B30-8E3C-4D2BE6020583}" type="datetimeFigureOut">
               <a:rPr lang="en-US" dirty="0"/>
               <a:pPr/>
-              <a:t>10/13/2017</a:t>
+              <a:t>10/22/2018</a:t>
             </a:fld>
             <a:endParaRPr lang="en-US" dirty="0"/>
           </a:p>
@@ -1624,7 +1621,7 @@
           <a:p>
             <a:fld id="{87DE6118-2437-4B30-8E3C-4D2BE6020583}" type="datetimeFigureOut">
               <a:rPr lang="en-US" dirty="0"/>
-              <a:t>10/13/2017</a:t>
+              <a:t>10/22/2018</a:t>
             </a:fld>
             <a:endParaRPr lang="en-US" dirty="0"/>
           </a:p>
@@ -2096,7 +2093,7 @@
           <a:p>
             <a:fld id="{87DE6118-2437-4B30-8E3C-4D2BE6020583}" type="datetimeFigureOut">
               <a:rPr lang="en-US" dirty="0"/>
-              <a:t>10/13/2017</a:t>
+              <a:t>10/22/2018</a:t>
             </a:fld>
             <a:endParaRPr lang="en-US" dirty="0"/>
           </a:p>
@@ -2209,7 +2206,7 @@
           <a:p>
             <a:fld id="{87DE6118-2437-4B30-8E3C-4D2BE6020583}" type="datetimeFigureOut">
               <a:rPr lang="en-US" dirty="0"/>
-              <a:t>10/13/2017</a:t>
+              <a:t>10/22/2018</a:t>
             </a:fld>
             <a:endParaRPr lang="en-US" dirty="0"/>
           </a:p>
@@ -2299,7 +2296,7 @@
           <a:p>
             <a:fld id="{87DE6118-2437-4B30-8E3C-4D2BE6020583}" type="datetimeFigureOut">
               <a:rPr lang="en-US" dirty="0"/>
-              <a:t>10/13/2017</a:t>
+              <a:t>10/22/2018</a:t>
             </a:fld>
             <a:endParaRPr lang="en-US" dirty="0"/>
           </a:p>
@@ -2641,7 +2638,7 @@
             <a:fld id="{87DE6118-2437-4B30-8E3C-4D2BE6020583}" type="datetimeFigureOut">
               <a:rPr lang="en-US" dirty="0"/>
               <a:pPr/>
-              <a:t>10/13/2017</a:t>
+              <a:t>10/22/2018</a:t>
             </a:fld>
             <a:endParaRPr lang="en-US" dirty="0"/>
           </a:p>
@@ -3026,7 +3023,7 @@
             <a:fld id="{87DE6118-2437-4B30-8E3C-4D2BE6020583}" type="datetimeFigureOut">
               <a:rPr lang="en-US" dirty="0"/>
               <a:pPr/>
-              <a:t>10/13/2017</a:t>
+              <a:t>10/22/2018</a:t>
             </a:fld>
             <a:endParaRPr lang="en-US" dirty="0"/>
           </a:p>
@@ -3301,7 +3298,7 @@
             <a:fld id="{87DE6118-2437-4B30-8E3C-4D2BE6020583}" type="datetimeFigureOut">
               <a:rPr lang="en-US" dirty="0"/>
               <a:pPr/>
-              <a:t>10/13/2017</a:t>
+              <a:t>10/22/2018</a:t>
             </a:fld>
             <a:endParaRPr lang="en-US" dirty="0"/>
           </a:p>
@@ -3821,8 +3818,8 @@
         </p:nvSpPr>
         <p:spPr>
           <a:xfrm>
-            <a:off x="1425059" y="542581"/>
-            <a:ext cx="7983346" cy="6172201"/>
+            <a:off x="839449" y="542581"/>
+            <a:ext cx="11352551" cy="6172201"/>
           </a:xfrm>
         </p:spPr>
         <p:txBody>
@@ -3833,7 +3830,15 @@
           <a:p>
             <a:r>
               <a:rPr lang="en-US" dirty="0" smtClean="0"/>
-              <a:t>Bell Work (Prepare for Quiz):</a:t>
+              <a:t>Bell Work (Prepare for </a:t>
+            </a:r>
+            <a:r>
+              <a:rPr lang="en-US" dirty="0" smtClean="0"/>
+              <a:t>Quiz – Next Class!):</a:t>
+            </a:r>
+            <a:r>
+              <a:rPr lang="en-US" dirty="0" smtClean="0"/>
+              <a:t/>
             </a:r>
             <a:br>
               <a:rPr lang="en-US" dirty="0" smtClean="0"/>
@@ -3851,7 +3856,26 @@
             </a:r>
             <a:r>
               <a:rPr lang="en-US" dirty="0" smtClean="0"/>
-              <a:t>the slope, and the x and y-intercepts:   2y + 8 = 4x  </a:t>
+              <a:t>the slope, and the x and y-intercepts</a:t>
+            </a:r>
+            <a:r>
+              <a:rPr lang="en-US" smtClean="0"/>
+              <a:t>:   </a:t>
+            </a:r>
+            <a:r>
+              <a:rPr lang="en-US" smtClean="0"/>
+              <a:t>  </a:t>
+            </a:r>
+            <a:br>
+              <a:rPr lang="en-US" smtClean="0"/>
+            </a:br>
+            <a:r>
+              <a:rPr lang="en-US" smtClean="0"/>
+              <a:t>      2y </a:t>
+            </a:r>
+            <a:r>
+              <a:rPr lang="en-US" dirty="0" smtClean="0"/>
+              <a:t>+ 8 = 4x  </a:t>
             </a:r>
             <a:br>
               <a:rPr lang="en-US" dirty="0" smtClean="0"/>
@@ -3869,7 +3893,26 @@
             </a:r>
             <a:r>
               <a:rPr lang="en-US" dirty="0" smtClean="0"/>
-              <a:t>.) Write the equation of the line through (2, -5) and (-1, 3)</a:t>
+              <a:t>.) Write the equation of the line </a:t>
+            </a:r>
+            <a:r>
+              <a:rPr lang="en-US" smtClean="0"/>
+              <a:t>through </a:t>
+            </a:r>
+            <a:r>
+              <a:rPr lang="en-US" smtClean="0"/>
+              <a:t/>
+            </a:r>
+            <a:br>
+              <a:rPr lang="en-US" smtClean="0"/>
+            </a:br>
+            <a:r>
+              <a:rPr lang="en-US" smtClean="0"/>
+              <a:t>      (</a:t>
+            </a:r>
+            <a:r>
+              <a:rPr lang="en-US" dirty="0" smtClean="0"/>
+              <a:t>2, -5) and (-1, 3)</a:t>
             </a:r>
             <a:br>
               <a:rPr lang="en-US" dirty="0" smtClean="0"/>
@@ -3906,6 +3949,1403 @@
 </file>
 
 <file path=ppt/slides/slide10.xml><?xml version="1.0" encoding="utf-8"?>
+<p:sld xmlns:a="http://schemas.openxmlformats.org/drawingml/2006/main" xmlns:r="http://schemas.openxmlformats.org/officeDocument/2006/relationships" xmlns:p="http://schemas.openxmlformats.org/presentationml/2006/main">
+  <p:cSld>
+    <p:spTree>
+      <p:nvGrpSpPr>
+        <p:cNvPr id="1" name=""/>
+        <p:cNvGrpSpPr/>
+        <p:nvPr/>
+      </p:nvGrpSpPr>
+      <p:grpSpPr>
+        <a:xfrm>
+          <a:off x="0" y="0"/>
+          <a:ext cx="0" cy="0"/>
+          <a:chOff x="0" y="0"/>
+          <a:chExt cx="0" cy="0"/>
+        </a:xfrm>
+      </p:grpSpPr>
+      <p:sp>
+        <p:nvSpPr>
+          <p:cNvPr id="2" name="Title 1"/>
+          <p:cNvSpPr>
+            <a:spLocks noGrp="1"/>
+          </p:cNvSpPr>
+          <p:nvPr>
+            <p:ph type="title"/>
+          </p:nvPr>
+        </p:nvSpPr>
+        <p:spPr>
+          <a:xfrm>
+            <a:off x="1371600" y="685800"/>
+            <a:ext cx="10470630" cy="1485900"/>
+          </a:xfrm>
+        </p:spPr>
+        <p:txBody>
+          <a:bodyPr/>
+          <a:lstStyle/>
+          <a:p>
+            <a:r>
+              <a:rPr lang="en-US" dirty="0" smtClean="0"/>
+              <a:t>Write the equation of the graphs below…</a:t>
+            </a:r>
+            <a:endParaRPr lang="en-US" dirty="0"/>
+          </a:p>
+        </p:txBody>
+      </p:sp>
+      <p:pic>
+        <p:nvPicPr>
+          <p:cNvPr id="4" name="Picture 3"/>
+          <p:cNvPicPr/>
+          <p:nvPr/>
+        </p:nvPicPr>
+        <p:blipFill>
+          <a:blip r:embed="rId2" cstate="print"/>
+          <a:srcRect/>
+          <a:stretch>
+            <a:fillRect/>
+          </a:stretch>
+        </p:blipFill>
+        <p:spPr bwMode="auto">
+          <a:xfrm>
+            <a:off x="4362450" y="4883905"/>
+            <a:ext cx="4488929" cy="1835046"/>
+          </a:xfrm>
+          <a:prstGeom prst="rect">
+            <a:avLst/>
+          </a:prstGeom>
+          <a:noFill/>
+          <a:ln w="9525">
+            <a:noFill/>
+            <a:miter lim="800000"/>
+            <a:headEnd/>
+            <a:tailEnd/>
+          </a:ln>
+        </p:spPr>
+      </p:pic>
+      <p:pic>
+        <p:nvPicPr>
+          <p:cNvPr id="6" name="Picture 5"/>
+          <p:cNvPicPr/>
+          <p:nvPr/>
+        </p:nvPicPr>
+        <p:blipFill>
+          <a:blip r:embed="rId3" cstate="print"/>
+          <a:srcRect/>
+          <a:stretch>
+            <a:fillRect/>
+          </a:stretch>
+        </p:blipFill>
+        <p:spPr bwMode="auto">
+          <a:xfrm>
+            <a:off x="2255393" y="1477664"/>
+            <a:ext cx="2916211" cy="2793089"/>
+          </a:xfrm>
+          <a:prstGeom prst="rect">
+            <a:avLst/>
+          </a:prstGeom>
+          <a:noFill/>
+          <a:ln w="9525">
+            <a:noFill/>
+            <a:miter lim="800000"/>
+            <a:headEnd/>
+            <a:tailEnd/>
+          </a:ln>
+        </p:spPr>
+      </p:pic>
+      <p:pic>
+        <p:nvPicPr>
+          <p:cNvPr id="7" name="Picture 6"/>
+          <p:cNvPicPr/>
+          <p:nvPr/>
+        </p:nvPicPr>
+        <p:blipFill>
+          <a:blip r:embed="rId4" cstate="print"/>
+          <a:srcRect/>
+          <a:stretch>
+            <a:fillRect/>
+          </a:stretch>
+        </p:blipFill>
+        <p:spPr bwMode="auto">
+          <a:xfrm>
+            <a:off x="8349522" y="1477664"/>
+            <a:ext cx="2621405" cy="2769042"/>
+          </a:xfrm>
+          <a:prstGeom prst="rect">
+            <a:avLst/>
+          </a:prstGeom>
+          <a:noFill/>
+          <a:ln w="9525">
+            <a:noFill/>
+            <a:miter lim="800000"/>
+            <a:headEnd/>
+            <a:tailEnd/>
+          </a:ln>
+        </p:spPr>
+      </p:pic>
+    </p:spTree>
+    <p:extLst>
+      <p:ext uri="{BB962C8B-B14F-4D97-AF65-F5344CB8AC3E}">
+        <p14:creationId xmlns:p14="http://schemas.microsoft.com/office/powerpoint/2010/main" val="616597357"/>
+      </p:ext>
+    </p:extLst>
+  </p:cSld>
+  <p:clrMapOvr>
+    <a:masterClrMapping/>
+  </p:clrMapOvr>
+  <p:timing>
+    <p:tnLst>
+      <p:par>
+        <p:cTn id="1" dur="indefinite" restart="never" nodeType="tmRoot"/>
+      </p:par>
+    </p:tnLst>
+  </p:timing>
+</p:sld>
+</file>
+
+<file path=ppt/slides/slide11.xml><?xml version="1.0" encoding="utf-8"?>
+<p:sld xmlns:a="http://schemas.openxmlformats.org/drawingml/2006/main" xmlns:r="http://schemas.openxmlformats.org/officeDocument/2006/relationships" xmlns:p="http://schemas.openxmlformats.org/presentationml/2006/main">
+  <p:cSld>
+    <p:spTree>
+      <p:nvGrpSpPr>
+        <p:cNvPr id="1" name=""/>
+        <p:cNvGrpSpPr/>
+        <p:nvPr/>
+      </p:nvGrpSpPr>
+      <p:grpSpPr>
+        <a:xfrm>
+          <a:off x="0" y="0"/>
+          <a:ext cx="0" cy="0"/>
+          <a:chOff x="0" y="0"/>
+          <a:chExt cx="0" cy="0"/>
+        </a:xfrm>
+      </p:grpSpPr>
+      <p:sp>
+        <p:nvSpPr>
+          <p:cNvPr id="2" name="Title 1"/>
+          <p:cNvSpPr>
+            <a:spLocks noGrp="1"/>
+          </p:cNvSpPr>
+          <p:nvPr>
+            <p:ph type="title"/>
+          </p:nvPr>
+        </p:nvSpPr>
+        <p:spPr/>
+        <p:txBody>
+          <a:bodyPr/>
+          <a:lstStyle/>
+          <a:p>
+            <a:r>
+              <a:rPr lang="en-US" dirty="0" smtClean="0"/>
+              <a:t>For Next Time… </a:t>
+            </a:r>
+            <a:endParaRPr lang="en-US" dirty="0"/>
+          </a:p>
+        </p:txBody>
+      </p:sp>
+      <p:sp>
+        <p:nvSpPr>
+          <p:cNvPr id="3" name="Content Placeholder 2"/>
+          <p:cNvSpPr>
+            <a:spLocks noGrp="1"/>
+          </p:cNvSpPr>
+          <p:nvPr>
+            <p:ph idx="1"/>
+          </p:nvPr>
+        </p:nvSpPr>
+        <p:spPr>
+          <a:xfrm>
+            <a:off x="1371600" y="1753849"/>
+            <a:ext cx="9601200" cy="4961744"/>
+          </a:xfrm>
+        </p:spPr>
+        <p:txBody>
+          <a:bodyPr>
+            <a:normAutofit/>
+          </a:bodyPr>
+          <a:lstStyle/>
+          <a:p>
+            <a:pPr marL="0" indent="0">
+              <a:buNone/>
+            </a:pPr>
+            <a:r>
+              <a:rPr lang="en-US" sz="3000" dirty="0" smtClean="0"/>
+              <a:t>New Material </a:t>
+            </a:r>
+          </a:p>
+          <a:p>
+            <a:pPr marL="0" indent="0">
+              <a:buNone/>
+            </a:pPr>
+            <a:r>
+              <a:rPr lang="en-US" sz="3000" dirty="0" smtClean="0"/>
+              <a:t>Page 110 #9, 11, 15, 25, 29, 34</a:t>
+            </a:r>
+            <a:endParaRPr lang="en-US" sz="3200" dirty="0" smtClean="0"/>
+          </a:p>
+          <a:p>
+            <a:pPr marL="0" indent="0">
+              <a:buNone/>
+            </a:pPr>
+            <a:endParaRPr lang="en-US" sz="3000" dirty="0" smtClean="0"/>
+          </a:p>
+          <a:p>
+            <a:pPr marL="0" indent="0">
+              <a:buNone/>
+            </a:pPr>
+            <a:r>
+              <a:rPr lang="en-US" sz="3000" dirty="0" smtClean="0"/>
+              <a:t>Mixed Review</a:t>
+            </a:r>
+            <a:endParaRPr lang="en-US" sz="3000" dirty="0"/>
+          </a:p>
+          <a:p>
+            <a:pPr marL="0" indent="0">
+              <a:buNone/>
+            </a:pPr>
+            <a:r>
+              <a:rPr lang="en-US" sz="3000" dirty="0" smtClean="0"/>
+              <a:t>Page 113 #61, 63, 64</a:t>
+            </a:r>
+          </a:p>
+        </p:txBody>
+      </p:sp>
+    </p:spTree>
+    <p:extLst>
+      <p:ext uri="{BB962C8B-B14F-4D97-AF65-F5344CB8AC3E}">
+        <p14:creationId xmlns:p14="http://schemas.microsoft.com/office/powerpoint/2010/main" val="3701921675"/>
+      </p:ext>
+    </p:extLst>
+  </p:cSld>
+  <p:clrMapOvr>
+    <a:masterClrMapping/>
+  </p:clrMapOvr>
+  <p:timing>
+    <p:tnLst>
+      <p:par>
+        <p:cTn id="1" dur="indefinite" restart="never" nodeType="tmRoot"/>
+      </p:par>
+    </p:tnLst>
+  </p:timing>
+</p:sld>
+</file>
+
+<file path=ppt/slides/slide2.xml><?xml version="1.0" encoding="utf-8"?>
+<p:sld xmlns:a="http://schemas.openxmlformats.org/drawingml/2006/main" xmlns:r="http://schemas.openxmlformats.org/officeDocument/2006/relationships" xmlns:p="http://schemas.openxmlformats.org/presentationml/2006/main">
+  <p:cSld>
+    <p:spTree>
+      <p:nvGrpSpPr>
+        <p:cNvPr id="1" name=""/>
+        <p:cNvGrpSpPr/>
+        <p:nvPr/>
+      </p:nvGrpSpPr>
+      <p:grpSpPr>
+        <a:xfrm>
+          <a:off x="0" y="0"/>
+          <a:ext cx="0" cy="0"/>
+          <a:chOff x="0" y="0"/>
+          <a:chExt cx="0" cy="0"/>
+        </a:xfrm>
+      </p:grpSpPr>
+      <p:sp>
+        <p:nvSpPr>
+          <p:cNvPr id="2" name="Title 1"/>
+          <p:cNvSpPr>
+            <a:spLocks noGrp="1"/>
+          </p:cNvSpPr>
+          <p:nvPr>
+            <p:ph type="ctrTitle"/>
+          </p:nvPr>
+        </p:nvSpPr>
+        <p:spPr/>
+        <p:txBody>
+          <a:bodyPr/>
+          <a:lstStyle/>
+          <a:p>
+            <a:r>
+              <a:rPr lang="en-US" dirty="0" smtClean="0"/>
+              <a:t>ALGEBRA 3</a:t>
+            </a:r>
+            <a:endParaRPr lang="en-US" dirty="0"/>
+          </a:p>
+        </p:txBody>
+      </p:sp>
+      <p:sp>
+        <p:nvSpPr>
+          <p:cNvPr id="3" name="Subtitle 2"/>
+          <p:cNvSpPr>
+            <a:spLocks noGrp="1"/>
+          </p:cNvSpPr>
+          <p:nvPr>
+            <p:ph type="subTitle" idx="1"/>
+          </p:nvPr>
+        </p:nvSpPr>
+        <p:spPr/>
+        <p:txBody>
+          <a:bodyPr/>
+          <a:lstStyle/>
+          <a:p>
+            <a:r>
+              <a:rPr lang="en-US" dirty="0" smtClean="0"/>
+              <a:t>Day 19</a:t>
+            </a:r>
+            <a:endParaRPr lang="en-US" dirty="0"/>
+          </a:p>
+        </p:txBody>
+      </p:sp>
+    </p:spTree>
+    <p:extLst>
+      <p:ext uri="{BB962C8B-B14F-4D97-AF65-F5344CB8AC3E}">
+        <p14:creationId xmlns:p14="http://schemas.microsoft.com/office/powerpoint/2010/main" val="3063505576"/>
+      </p:ext>
+    </p:extLst>
+  </p:cSld>
+  <p:clrMapOvr>
+    <a:masterClrMapping/>
+  </p:clrMapOvr>
+  <p:timing>
+    <p:tnLst>
+      <p:par>
+        <p:cTn id="1" dur="indefinite" restart="never" nodeType="tmRoot"/>
+      </p:par>
+    </p:tnLst>
+  </p:timing>
+</p:sld>
+</file>
+
+<file path=ppt/slides/slide3.xml><?xml version="1.0" encoding="utf-8"?>
+<p:sld xmlns:a="http://schemas.openxmlformats.org/drawingml/2006/main" xmlns:r="http://schemas.openxmlformats.org/officeDocument/2006/relationships" xmlns:p="http://schemas.openxmlformats.org/presentationml/2006/main">
+  <p:cSld>
+    <p:spTree>
+      <p:nvGrpSpPr>
+        <p:cNvPr id="1" name=""/>
+        <p:cNvGrpSpPr/>
+        <p:nvPr/>
+      </p:nvGrpSpPr>
+      <p:grpSpPr>
+        <a:xfrm>
+          <a:off x="0" y="0"/>
+          <a:ext cx="0" cy="0"/>
+          <a:chOff x="0" y="0"/>
+          <a:chExt cx="0" cy="0"/>
+        </a:xfrm>
+      </p:grpSpPr>
+      <p:sp>
+        <p:nvSpPr>
+          <p:cNvPr id="2" name="Title 1"/>
+          <p:cNvSpPr>
+            <a:spLocks noGrp="1"/>
+          </p:cNvSpPr>
+          <p:nvPr>
+            <p:ph type="title"/>
+          </p:nvPr>
+        </p:nvSpPr>
+        <p:spPr/>
+        <p:txBody>
+          <a:bodyPr/>
+          <a:lstStyle/>
+          <a:p>
+            <a:r>
+              <a:rPr lang="en-US" dirty="0" smtClean="0"/>
+              <a:t>From Last Time… </a:t>
+            </a:r>
+            <a:endParaRPr lang="en-US" dirty="0"/>
+          </a:p>
+        </p:txBody>
+      </p:sp>
+      <p:sp>
+        <p:nvSpPr>
+          <p:cNvPr id="3" name="Content Placeholder 2"/>
+          <p:cNvSpPr>
+            <a:spLocks noGrp="1"/>
+          </p:cNvSpPr>
+          <p:nvPr>
+            <p:ph idx="1"/>
+          </p:nvPr>
+        </p:nvSpPr>
+        <p:spPr>
+          <a:xfrm>
+            <a:off x="1371600" y="1753849"/>
+            <a:ext cx="9601200" cy="4961744"/>
+          </a:xfrm>
+        </p:spPr>
+        <p:txBody>
+          <a:bodyPr>
+            <a:normAutofit/>
+          </a:bodyPr>
+          <a:lstStyle/>
+          <a:p>
+            <a:pPr marL="0" indent="0">
+              <a:buNone/>
+            </a:pPr>
+            <a:r>
+              <a:rPr lang="en-US" sz="3000" dirty="0" smtClean="0"/>
+              <a:t>New Material (Section 2.5)</a:t>
+            </a:r>
+          </a:p>
+          <a:p>
+            <a:pPr marL="0" indent="0">
+              <a:buNone/>
+            </a:pPr>
+            <a:r>
+              <a:rPr lang="en-US" sz="3000" dirty="0" smtClean="0"/>
+              <a:t>Page 96 #</a:t>
+            </a:r>
+            <a:r>
+              <a:rPr lang="en-US" sz="3200" dirty="0" smtClean="0"/>
+              <a:t>1, 7, 9, 13, 15-17, 27</a:t>
+            </a:r>
+          </a:p>
+          <a:p>
+            <a:pPr marL="0" indent="0">
+              <a:buNone/>
+            </a:pPr>
+            <a:endParaRPr lang="en-US" sz="3000" dirty="0" smtClean="0"/>
+          </a:p>
+          <a:p>
+            <a:pPr marL="0" indent="0">
+              <a:buNone/>
+            </a:pPr>
+            <a:r>
+              <a:rPr lang="en-US" sz="3000" dirty="0"/>
+              <a:t>New Material (Section </a:t>
+            </a:r>
+            <a:r>
+              <a:rPr lang="en-US" sz="3000" dirty="0" smtClean="0"/>
+              <a:t>2.6)</a:t>
+            </a:r>
+            <a:endParaRPr lang="en-US" sz="3000" dirty="0"/>
+          </a:p>
+          <a:p>
+            <a:pPr marL="0" indent="0">
+              <a:buNone/>
+            </a:pPr>
+            <a:r>
+              <a:rPr lang="en-US" sz="3000" dirty="0" smtClean="0"/>
+              <a:t>Page 103 #5, 6, 13, 19-21, 55</a:t>
+            </a:r>
+          </a:p>
+          <a:p>
+            <a:pPr marL="0" indent="0">
+              <a:buNone/>
+            </a:pPr>
+            <a:endParaRPr lang="en-US" sz="3000" dirty="0" smtClean="0"/>
+          </a:p>
+        </p:txBody>
+      </p:sp>
+    </p:spTree>
+    <p:extLst>
+      <p:ext uri="{BB962C8B-B14F-4D97-AF65-F5344CB8AC3E}">
+        <p14:creationId xmlns:p14="http://schemas.microsoft.com/office/powerpoint/2010/main" val="3650003047"/>
+      </p:ext>
+    </p:extLst>
+  </p:cSld>
+  <p:clrMapOvr>
+    <a:masterClrMapping/>
+  </p:clrMapOvr>
+  <p:timing>
+    <p:tnLst>
+      <p:par>
+        <p:cTn id="1" dur="indefinite" restart="never" nodeType="tmRoot"/>
+      </p:par>
+    </p:tnLst>
+  </p:timing>
+</p:sld>
+</file>
+
+<file path=ppt/slides/slide4.xml><?xml version="1.0" encoding="utf-8"?>
+<p:sld xmlns:a="http://schemas.openxmlformats.org/drawingml/2006/main" xmlns:r="http://schemas.openxmlformats.org/officeDocument/2006/relationships" xmlns:p="http://schemas.openxmlformats.org/presentationml/2006/main">
+  <p:cSld>
+    <p:spTree>
+      <p:nvGrpSpPr>
+        <p:cNvPr id="1" name=""/>
+        <p:cNvGrpSpPr/>
+        <p:nvPr/>
+      </p:nvGrpSpPr>
+      <p:grpSpPr>
+        <a:xfrm>
+          <a:off x="0" y="0"/>
+          <a:ext cx="0" cy="0"/>
+          <a:chOff x="0" y="0"/>
+          <a:chExt cx="0" cy="0"/>
+        </a:xfrm>
+      </p:grpSpPr>
+      <p:sp>
+        <p:nvSpPr>
+          <p:cNvPr id="2" name="Title 1"/>
+          <p:cNvSpPr>
+            <a:spLocks noGrp="1"/>
+          </p:cNvSpPr>
+          <p:nvPr>
+            <p:ph type="title"/>
+          </p:nvPr>
+        </p:nvSpPr>
+        <p:spPr/>
+        <p:txBody>
+          <a:bodyPr>
+            <a:normAutofit/>
+          </a:bodyPr>
+          <a:lstStyle/>
+          <a:p>
+            <a:r>
+              <a:rPr lang="en-US" dirty="0"/>
+              <a:t>Chapter </a:t>
+            </a:r>
+            <a:r>
+              <a:rPr lang="en-US" dirty="0" smtClean="0"/>
+              <a:t>2 </a:t>
+            </a:r>
+            <a:r>
+              <a:rPr lang="en-US" dirty="0"/>
+              <a:t>Section 7</a:t>
+            </a:r>
+            <a:br>
+              <a:rPr lang="en-US" dirty="0"/>
+            </a:br>
+            <a:r>
+              <a:rPr lang="en-US" dirty="0" smtClean="0"/>
+              <a:t>Absolute Value Functions and Graphs</a:t>
+            </a:r>
+            <a:endParaRPr lang="en-US" dirty="0"/>
+          </a:p>
+        </p:txBody>
+      </p:sp>
+      <p:sp>
+        <p:nvSpPr>
+          <p:cNvPr id="3" name="Content Placeholder 2"/>
+          <p:cNvSpPr>
+            <a:spLocks noGrp="1"/>
+          </p:cNvSpPr>
+          <p:nvPr>
+            <p:ph idx="1"/>
+          </p:nvPr>
+        </p:nvSpPr>
+        <p:spPr>
+          <a:xfrm>
+            <a:off x="1371600" y="2286000"/>
+            <a:ext cx="9601200" cy="921896"/>
+          </a:xfrm>
+        </p:spPr>
+        <p:txBody>
+          <a:bodyPr>
+            <a:normAutofit/>
+          </a:bodyPr>
+          <a:lstStyle/>
+          <a:p>
+            <a:pPr marL="0" indent="0">
+              <a:buNone/>
+            </a:pPr>
+            <a:r>
+              <a:rPr lang="en-US" sz="3000" b="1" dirty="0" smtClean="0"/>
+              <a:t>Objective</a:t>
+            </a:r>
+            <a:r>
+              <a:rPr lang="en-US" sz="3000" dirty="0" smtClean="0"/>
+              <a:t>: To graph absolute value functions</a:t>
+            </a:r>
+            <a:endParaRPr lang="en-US" sz="3200" dirty="0"/>
+          </a:p>
+        </p:txBody>
+      </p:sp>
+    </p:spTree>
+    <p:extLst>
+      <p:ext uri="{BB962C8B-B14F-4D97-AF65-F5344CB8AC3E}">
+        <p14:creationId xmlns:p14="http://schemas.microsoft.com/office/powerpoint/2010/main" val="2774381841"/>
+      </p:ext>
+    </p:extLst>
+  </p:cSld>
+  <p:clrMapOvr>
+    <a:masterClrMapping/>
+  </p:clrMapOvr>
+  <p:timing>
+    <p:tnLst>
+      <p:par>
+        <p:cTn id="1" dur="indefinite" restart="never" nodeType="tmRoot"/>
+      </p:par>
+    </p:tnLst>
+  </p:timing>
+</p:sld>
+</file>
+
+<file path=ppt/slides/slide5.xml><?xml version="1.0" encoding="utf-8"?>
+<p:sld xmlns:a="http://schemas.openxmlformats.org/drawingml/2006/main" xmlns:r="http://schemas.openxmlformats.org/officeDocument/2006/relationships" xmlns:p="http://schemas.openxmlformats.org/presentationml/2006/main">
+  <p:cSld>
+    <p:spTree>
+      <p:nvGrpSpPr>
+        <p:cNvPr id="1" name=""/>
+        <p:cNvGrpSpPr/>
+        <p:nvPr/>
+      </p:nvGrpSpPr>
+      <p:grpSpPr>
+        <a:xfrm>
+          <a:off x="0" y="0"/>
+          <a:ext cx="0" cy="0"/>
+          <a:chOff x="0" y="0"/>
+          <a:chExt cx="0" cy="0"/>
+        </a:xfrm>
+      </p:grpSpPr>
+      <p:sp>
+        <p:nvSpPr>
+          <p:cNvPr id="3" name="Content Placeholder 2"/>
+          <p:cNvSpPr>
+            <a:spLocks noGrp="1"/>
+          </p:cNvSpPr>
+          <p:nvPr>
+            <p:ph idx="1"/>
+          </p:nvPr>
+        </p:nvSpPr>
+        <p:spPr>
+          <a:xfrm>
+            <a:off x="1371600" y="2188564"/>
+            <a:ext cx="9601200" cy="4454606"/>
+          </a:xfrm>
+        </p:spPr>
+        <p:txBody>
+          <a:bodyPr>
+            <a:normAutofit/>
+          </a:bodyPr>
+          <a:lstStyle/>
+          <a:p>
+            <a:r>
+              <a:rPr lang="en-US" sz="3200" b="1" dirty="0"/>
+              <a:t>Parent Graph</a:t>
+            </a:r>
+            <a:r>
+              <a:rPr lang="en-US" sz="3200" dirty="0"/>
+              <a:t> – graph simplest form in a set of functions that form a “family</a:t>
+            </a:r>
+            <a:r>
+              <a:rPr lang="en-US" sz="3200" dirty="0" smtClean="0"/>
+              <a:t>”</a:t>
+            </a:r>
+            <a:r>
+              <a:rPr lang="en-US" sz="3200" dirty="0"/>
+              <a:t> </a:t>
+            </a:r>
+            <a:endParaRPr lang="en-US" sz="3200" dirty="0" smtClean="0"/>
+          </a:p>
+          <a:p>
+            <a:pPr marL="0" indent="0">
+              <a:buNone/>
+            </a:pPr>
+            <a:endParaRPr lang="en-US" sz="3200" dirty="0"/>
+          </a:p>
+          <a:p>
+            <a:r>
+              <a:rPr lang="en-US" sz="3200" b="1" dirty="0"/>
+              <a:t>Transformation</a:t>
+            </a:r>
+            <a:r>
+              <a:rPr lang="en-US" sz="3200" dirty="0"/>
+              <a:t>—each function in the “family” that is related to the </a:t>
+            </a:r>
+            <a:r>
+              <a:rPr lang="en-US" sz="3200" dirty="0" smtClean="0"/>
+              <a:t>parent</a:t>
+            </a:r>
+            <a:r>
+              <a:rPr lang="en-US" sz="3200" dirty="0"/>
+              <a:t> </a:t>
+            </a:r>
+            <a:r>
+              <a:rPr lang="en-US" sz="3200" dirty="0" smtClean="0"/>
+              <a:t>(like the kid to the parent)</a:t>
+            </a:r>
+          </a:p>
+        </p:txBody>
+      </p:sp>
+      <p:sp>
+        <p:nvSpPr>
+          <p:cNvPr id="4" name="Title 1"/>
+          <p:cNvSpPr txBox="1">
+            <a:spLocks/>
+          </p:cNvSpPr>
+          <p:nvPr/>
+        </p:nvSpPr>
+        <p:spPr>
+          <a:xfrm>
+            <a:off x="934715" y="535899"/>
+            <a:ext cx="9601200" cy="1485900"/>
+          </a:xfrm>
+          <a:prstGeom prst="rect">
+            <a:avLst/>
+          </a:prstGeom>
+        </p:spPr>
+        <p:txBody>
+          <a:bodyPr vert="horz" lIns="91440" tIns="45720" rIns="91440" bIns="45720" rtlCol="0" anchor="t">
+            <a:normAutofit/>
+          </a:bodyPr>
+          <a:lstStyle>
+            <a:lvl1pPr algn="l" defTabSz="914400" rtl="0" eaLnBrk="1" latinLnBrk="0" hangingPunct="1">
+              <a:lnSpc>
+                <a:spcPct val="89000"/>
+              </a:lnSpc>
+              <a:spcBef>
+                <a:spcPct val="0"/>
+              </a:spcBef>
+              <a:buNone/>
+              <a:defRPr sz="4400" kern="1200" baseline="0">
+                <a:solidFill>
+                  <a:schemeClr val="tx2"/>
+                </a:solidFill>
+                <a:latin typeface="+mj-lt"/>
+                <a:ea typeface="+mj-ea"/>
+                <a:cs typeface="+mj-cs"/>
+              </a:defRPr>
+            </a:lvl1pPr>
+          </a:lstStyle>
+          <a:p>
+            <a:r>
+              <a:rPr lang="en-US" dirty="0" smtClean="0"/>
+              <a:t>Chapter 2 Section 6 Review</a:t>
+            </a:r>
+            <a:br>
+              <a:rPr lang="en-US" dirty="0" smtClean="0"/>
+            </a:br>
+            <a:r>
+              <a:rPr lang="en-US" dirty="0" smtClean="0"/>
+              <a:t>Remember… </a:t>
+            </a:r>
+            <a:endParaRPr lang="en-US" dirty="0"/>
+          </a:p>
+        </p:txBody>
+      </p:sp>
+    </p:spTree>
+    <p:extLst>
+      <p:ext uri="{BB962C8B-B14F-4D97-AF65-F5344CB8AC3E}">
+        <p14:creationId xmlns:p14="http://schemas.microsoft.com/office/powerpoint/2010/main" val="2311600307"/>
+      </p:ext>
+    </p:extLst>
+  </p:cSld>
+  <p:clrMapOvr>
+    <a:masterClrMapping/>
+  </p:clrMapOvr>
+  <p:timing>
+    <p:tnLst>
+      <p:par>
+        <p:cTn id="1" dur="indefinite" restart="never" nodeType="tmRoot"/>
+      </p:par>
+    </p:tnLst>
+  </p:timing>
+</p:sld>
+</file>
+
+<file path=ppt/slides/slide6.xml><?xml version="1.0" encoding="utf-8"?>
+<p:sld xmlns:a="http://schemas.openxmlformats.org/drawingml/2006/main" xmlns:r="http://schemas.openxmlformats.org/officeDocument/2006/relationships" xmlns:p="http://schemas.openxmlformats.org/presentationml/2006/main">
+  <p:cSld>
+    <p:spTree>
+      <p:nvGrpSpPr>
+        <p:cNvPr id="1" name=""/>
+        <p:cNvGrpSpPr/>
+        <p:nvPr/>
+      </p:nvGrpSpPr>
+      <p:grpSpPr>
+        <a:xfrm>
+          <a:off x="0" y="0"/>
+          <a:ext cx="0" cy="0"/>
+          <a:chOff x="0" y="0"/>
+          <a:chExt cx="0" cy="0"/>
+        </a:xfrm>
+      </p:grpSpPr>
+      <p:sp>
+        <p:nvSpPr>
+          <p:cNvPr id="2" name="Title 1"/>
+          <p:cNvSpPr>
+            <a:spLocks noGrp="1"/>
+          </p:cNvSpPr>
+          <p:nvPr>
+            <p:ph type="title"/>
+          </p:nvPr>
+        </p:nvSpPr>
+        <p:spPr>
+          <a:xfrm>
+            <a:off x="1371599" y="685800"/>
+            <a:ext cx="10196111" cy="1076899"/>
+          </a:xfrm>
+        </p:spPr>
+        <p:txBody>
+          <a:bodyPr/>
+          <a:lstStyle/>
+          <a:p>
+            <a:r>
+              <a:rPr lang="en-US" dirty="0" smtClean="0"/>
+              <a:t>Types of Transformations</a:t>
+            </a:r>
+            <a:endParaRPr lang="en-US" dirty="0"/>
+          </a:p>
+        </p:txBody>
+      </p:sp>
+      <mc:AlternateContent xmlns:mc="http://schemas.openxmlformats.org/markup-compatibility/2006" xmlns:a14="http://schemas.microsoft.com/office/drawing/2010/main">
+        <mc:Choice Requires="a14">
+          <p:sp>
+            <p:nvSpPr>
+              <p:cNvPr id="3" name="Content Placeholder 2"/>
+              <p:cNvSpPr>
+                <a:spLocks noGrp="1"/>
+              </p:cNvSpPr>
+              <p:nvPr>
+                <p:ph idx="1"/>
+              </p:nvPr>
+            </p:nvSpPr>
+            <p:spPr>
+              <a:xfrm>
+                <a:off x="1371599" y="1762699"/>
+                <a:ext cx="10635521" cy="4880471"/>
+              </a:xfrm>
+            </p:spPr>
+            <p:txBody>
+              <a:bodyPr>
+                <a:normAutofit/>
+              </a:bodyPr>
+              <a:lstStyle/>
+              <a:p>
+                <a14:m>
+                  <m:oMath xmlns:m="http://schemas.openxmlformats.org/officeDocument/2006/math">
+                    <m:r>
+                      <a:rPr lang="en-US" sz="3200" i="1" smtClean="0">
+                        <a:latin typeface="Cambria Math" panose="02040503050406030204" pitchFamily="18" charset="0"/>
+                      </a:rPr>
+                      <m:t>𝑓</m:t>
+                    </m:r>
+                    <m:d>
+                      <m:dPr>
+                        <m:ctrlPr>
+                          <a:rPr lang="en-US" sz="3200" i="1">
+                            <a:latin typeface="Cambria Math" panose="02040503050406030204" pitchFamily="18" charset="0"/>
+                          </a:rPr>
+                        </m:ctrlPr>
+                      </m:dPr>
+                      <m:e>
+                        <m:r>
+                          <a:rPr lang="en-US" sz="3200" i="1">
+                            <a:latin typeface="Cambria Math" panose="02040503050406030204" pitchFamily="18" charset="0"/>
+                          </a:rPr>
+                          <m:t>𝑥</m:t>
+                        </m:r>
+                      </m:e>
+                    </m:d>
+                    <m:r>
+                      <a:rPr lang="en-US" sz="3200" i="1">
+                        <a:latin typeface="Cambria Math" panose="02040503050406030204" pitchFamily="18" charset="0"/>
+                      </a:rPr>
+                      <m:t> </m:t>
+                    </m:r>
+                    <m:r>
+                      <a:rPr lang="en-US" sz="3200" i="1">
+                        <a:latin typeface="Cambria Math" panose="02040503050406030204" pitchFamily="18" charset="0"/>
+                      </a:rPr>
+                      <m:t>𝑖𝑠</m:t>
+                    </m:r>
+                    <m:r>
+                      <a:rPr lang="en-US" sz="3200" i="1">
+                        <a:latin typeface="Cambria Math" panose="02040503050406030204" pitchFamily="18" charset="0"/>
+                      </a:rPr>
+                      <m:t> </m:t>
+                    </m:r>
+                    <m:r>
+                      <a:rPr lang="en-US" sz="3200" i="1">
+                        <a:latin typeface="Cambria Math" panose="02040503050406030204" pitchFamily="18" charset="0"/>
+                      </a:rPr>
+                      <m:t>𝑡h𝑒</m:t>
+                    </m:r>
+                    <m:r>
+                      <a:rPr lang="en-US" sz="3200" i="1">
+                        <a:latin typeface="Cambria Math" panose="02040503050406030204" pitchFamily="18" charset="0"/>
+                      </a:rPr>
+                      <m:t> </m:t>
+                    </m:r>
+                    <m:r>
+                      <a:rPr lang="en-US" sz="3200" i="1">
+                        <a:latin typeface="Cambria Math" panose="02040503050406030204" pitchFamily="18" charset="0"/>
+                      </a:rPr>
+                      <m:t>𝑝𝑎𝑟𝑒𝑛𝑡</m:t>
+                    </m:r>
+                    <m:r>
+                      <a:rPr lang="en-US" sz="3200" i="1">
+                        <a:latin typeface="Cambria Math" panose="02040503050406030204" pitchFamily="18" charset="0"/>
+                      </a:rPr>
+                      <m:t> </m:t>
+                    </m:r>
+                    <m:r>
+                      <a:rPr lang="en-US" sz="3200" i="1">
+                        <a:latin typeface="Cambria Math" panose="02040503050406030204" pitchFamily="18" charset="0"/>
+                      </a:rPr>
+                      <m:t>𝑔𝑟𝑎𝑝h</m:t>
+                    </m:r>
+                    <m:r>
+                      <a:rPr lang="en-US" sz="3200" i="1">
+                        <a:latin typeface="Cambria Math" panose="02040503050406030204" pitchFamily="18" charset="0"/>
+                      </a:rPr>
+                      <m:t>           (</m:t>
+                    </m:r>
+                    <m:r>
+                      <a:rPr lang="en-US" sz="3200" b="0" i="1" smtClean="0">
+                        <a:latin typeface="Cambria Math" panose="02040503050406030204" pitchFamily="18" charset="0"/>
+                      </a:rPr>
+                      <m:t>𝑡h𝑒</m:t>
+                    </m:r>
+                    <m:r>
+                      <a:rPr lang="en-US" sz="3200" b="0" i="1" smtClean="0">
+                        <a:latin typeface="Cambria Math" panose="02040503050406030204" pitchFamily="18" charset="0"/>
+                      </a:rPr>
+                      <m:t> </m:t>
+                    </m:r>
+                    <m:r>
+                      <a:rPr lang="en-US" sz="3200" b="0" i="1" smtClean="0">
+                        <a:latin typeface="Cambria Math" panose="02040503050406030204" pitchFamily="18" charset="0"/>
+                      </a:rPr>
+                      <m:t>𝑜𝑟𝑖𝑔𝑖𝑛𝑎𝑙</m:t>
+                    </m:r>
+                    <m:r>
+                      <a:rPr lang="en-US" sz="3200" b="0" i="1" smtClean="0">
+                        <a:latin typeface="Cambria Math" panose="02040503050406030204" pitchFamily="18" charset="0"/>
+                      </a:rPr>
+                      <m:t>)  </m:t>
+                    </m:r>
+                  </m:oMath>
+                </a14:m>
+                <a:endParaRPr lang="en-US" sz="3200" dirty="0"/>
+              </a:p>
+              <a:p>
+                <a14:m>
+                  <m:oMath xmlns:m="http://schemas.openxmlformats.org/officeDocument/2006/math">
+                    <m:r>
+                      <a:rPr lang="en-US" sz="3200" i="1">
+                        <a:latin typeface="Cambria Math" panose="02040503050406030204" pitchFamily="18" charset="0"/>
+                      </a:rPr>
+                      <m:t>𝑓</m:t>
+                    </m:r>
+                    <m:d>
+                      <m:dPr>
+                        <m:ctrlPr>
+                          <a:rPr lang="en-US" sz="3200" i="1">
+                            <a:latin typeface="Cambria Math" panose="02040503050406030204" pitchFamily="18" charset="0"/>
+                          </a:rPr>
+                        </m:ctrlPr>
+                      </m:dPr>
+                      <m:e>
+                        <m:r>
+                          <a:rPr lang="en-US" sz="3200" i="1">
+                            <a:latin typeface="Cambria Math" panose="02040503050406030204" pitchFamily="18" charset="0"/>
+                          </a:rPr>
+                          <m:t>𝑥</m:t>
+                        </m:r>
+                        <m:r>
+                          <a:rPr lang="en-US" sz="3200" i="1">
+                            <a:latin typeface="Cambria Math" panose="02040503050406030204" pitchFamily="18" charset="0"/>
+                          </a:rPr>
+                          <m:t>±</m:t>
+                        </m:r>
+                        <m:r>
+                          <a:rPr lang="en-US" sz="3200" i="1">
+                            <a:latin typeface="Cambria Math" panose="02040503050406030204" pitchFamily="18" charset="0"/>
+                          </a:rPr>
+                          <m:t>h</m:t>
+                        </m:r>
+                      </m:e>
+                    </m:d>
+                    <m:r>
+                      <a:rPr lang="en-US" sz="3200" i="1">
+                        <a:latin typeface="Cambria Math" panose="02040503050406030204" pitchFamily="18" charset="0"/>
+                      </a:rPr>
+                      <m:t>𝑖𝑠</m:t>
+                    </m:r>
+                    <m:r>
+                      <a:rPr lang="en-US" sz="3200" i="1">
+                        <a:latin typeface="Cambria Math" panose="02040503050406030204" pitchFamily="18" charset="0"/>
+                      </a:rPr>
+                      <m:t> </m:t>
+                    </m:r>
+                    <m:r>
+                      <a:rPr lang="en-US" sz="3200" i="1">
+                        <a:latin typeface="Cambria Math" panose="02040503050406030204" pitchFamily="18" charset="0"/>
+                      </a:rPr>
+                      <m:t>𝑎</m:t>
+                    </m:r>
+                    <m:r>
+                      <a:rPr lang="en-US" sz="3200" i="1">
+                        <a:latin typeface="Cambria Math" panose="02040503050406030204" pitchFamily="18" charset="0"/>
+                      </a:rPr>
+                      <m:t> </m:t>
+                    </m:r>
+                    <m:r>
+                      <a:rPr lang="en-US" sz="3200" i="1">
+                        <a:latin typeface="Cambria Math" panose="02040503050406030204" pitchFamily="18" charset="0"/>
+                      </a:rPr>
+                      <m:t>h𝑜𝑟𝑖𝑧𝑜𝑛𝑡𝑎𝑙</m:t>
+                    </m:r>
+                    <m:r>
+                      <a:rPr lang="en-US" sz="3200" i="1">
+                        <a:latin typeface="Cambria Math" panose="02040503050406030204" pitchFamily="18" charset="0"/>
+                      </a:rPr>
+                      <m:t> </m:t>
+                    </m:r>
+                    <m:r>
+                      <a:rPr lang="en-US" sz="3200" i="1">
+                        <a:latin typeface="Cambria Math" panose="02040503050406030204" pitchFamily="18" charset="0"/>
+                      </a:rPr>
+                      <m:t>𝑠h𝑖𝑓𝑡</m:t>
+                    </m:r>
+                    <m:r>
+                      <a:rPr lang="en-US" sz="3200" i="1">
+                        <a:latin typeface="Cambria Math" panose="02040503050406030204" pitchFamily="18" charset="0"/>
+                      </a:rPr>
+                      <m:t>   (</m:t>
+                    </m:r>
+                    <m:r>
+                      <a:rPr lang="en-US" sz="3200" b="0" i="1" smtClean="0">
+                        <a:latin typeface="Cambria Math" panose="02040503050406030204" pitchFamily="18" charset="0"/>
+                      </a:rPr>
+                      <m:t>𝑚𝑜𝑣𝑒</m:t>
+                    </m:r>
+                    <m:r>
+                      <a:rPr lang="en-US" sz="3200" b="0" i="1" smtClean="0">
+                        <a:latin typeface="Cambria Math" panose="02040503050406030204" pitchFamily="18" charset="0"/>
+                      </a:rPr>
+                      <m:t> </m:t>
+                    </m:r>
+                    <m:r>
+                      <a:rPr lang="en-US" sz="3200" b="0" i="1" smtClean="0">
+                        <a:latin typeface="Cambria Math" panose="02040503050406030204" pitchFamily="18" charset="0"/>
+                      </a:rPr>
+                      <m:t>𝑙𝑒𝑓𝑡</m:t>
+                    </m:r>
+                    <m:r>
+                      <a:rPr lang="en-US" sz="3200" b="0" i="1" smtClean="0">
+                        <a:latin typeface="Cambria Math" panose="02040503050406030204" pitchFamily="18" charset="0"/>
+                      </a:rPr>
+                      <m:t> </m:t>
+                    </m:r>
+                    <m:r>
+                      <a:rPr lang="en-US" sz="3200" b="0" i="1" smtClean="0">
+                        <a:latin typeface="Cambria Math" panose="02040503050406030204" pitchFamily="18" charset="0"/>
+                      </a:rPr>
+                      <m:t>𝑎𝑛𝑑</m:t>
+                    </m:r>
+                    <m:r>
+                      <a:rPr lang="en-US" sz="3200" b="0" i="1" smtClean="0">
+                        <a:latin typeface="Cambria Math" panose="02040503050406030204" pitchFamily="18" charset="0"/>
+                      </a:rPr>
+                      <m:t> </m:t>
+                    </m:r>
+                    <m:r>
+                      <a:rPr lang="en-US" sz="3200" b="0" i="1" smtClean="0">
+                        <a:latin typeface="Cambria Math" panose="02040503050406030204" pitchFamily="18" charset="0"/>
+                      </a:rPr>
+                      <m:t>𝑟𝑖𝑔h𝑡</m:t>
+                    </m:r>
+                    <m:r>
+                      <a:rPr lang="en-US" sz="3200" b="0" i="1" smtClean="0">
+                        <a:latin typeface="Cambria Math" panose="02040503050406030204" pitchFamily="18" charset="0"/>
+                      </a:rPr>
+                      <m:t>)  </m:t>
+                    </m:r>
+                  </m:oMath>
+                </a14:m>
+                <a:endParaRPr lang="en-US" sz="3200" dirty="0"/>
+              </a:p>
+              <a:p>
+                <a14:m>
+                  <m:oMath xmlns:m="http://schemas.openxmlformats.org/officeDocument/2006/math">
+                    <m:r>
+                      <a:rPr lang="en-US" sz="3200" i="1">
+                        <a:latin typeface="Cambria Math" panose="02040503050406030204" pitchFamily="18" charset="0"/>
+                      </a:rPr>
+                      <m:t>𝑓</m:t>
+                    </m:r>
+                    <m:d>
+                      <m:dPr>
+                        <m:ctrlPr>
+                          <a:rPr lang="en-US" sz="3200" i="1">
+                            <a:latin typeface="Cambria Math" panose="02040503050406030204" pitchFamily="18" charset="0"/>
+                          </a:rPr>
+                        </m:ctrlPr>
+                      </m:dPr>
+                      <m:e>
+                        <m:r>
+                          <a:rPr lang="en-US" sz="3200" i="1">
+                            <a:latin typeface="Cambria Math" panose="02040503050406030204" pitchFamily="18" charset="0"/>
+                          </a:rPr>
+                          <m:t>𝑥</m:t>
+                        </m:r>
+                      </m:e>
+                    </m:d>
+                    <m:r>
+                      <a:rPr lang="en-US" sz="3200" i="1">
+                        <a:latin typeface="Cambria Math" panose="02040503050406030204" pitchFamily="18" charset="0"/>
+                      </a:rPr>
+                      <m:t>±</m:t>
+                    </m:r>
+                    <m:r>
+                      <a:rPr lang="en-US" sz="3200" i="1">
+                        <a:latin typeface="Cambria Math" panose="02040503050406030204" pitchFamily="18" charset="0"/>
+                      </a:rPr>
+                      <m:t>𝑘</m:t>
+                    </m:r>
+                    <m:r>
+                      <a:rPr lang="en-US" sz="3200" i="1">
+                        <a:latin typeface="Cambria Math" panose="02040503050406030204" pitchFamily="18" charset="0"/>
+                      </a:rPr>
+                      <m:t> </m:t>
+                    </m:r>
+                    <m:r>
+                      <a:rPr lang="en-US" sz="3200" i="1">
+                        <a:latin typeface="Cambria Math" panose="02040503050406030204" pitchFamily="18" charset="0"/>
+                      </a:rPr>
+                      <m:t>𝑖𝑠</m:t>
+                    </m:r>
+                    <m:r>
+                      <a:rPr lang="en-US" sz="3200" i="1">
+                        <a:latin typeface="Cambria Math" panose="02040503050406030204" pitchFamily="18" charset="0"/>
+                      </a:rPr>
+                      <m:t> </m:t>
+                    </m:r>
+                    <m:r>
+                      <a:rPr lang="en-US" sz="3200" i="1">
+                        <a:latin typeface="Cambria Math" panose="02040503050406030204" pitchFamily="18" charset="0"/>
+                      </a:rPr>
+                      <m:t>𝑎</m:t>
+                    </m:r>
+                    <m:r>
+                      <a:rPr lang="en-US" sz="3200" i="1">
+                        <a:latin typeface="Cambria Math" panose="02040503050406030204" pitchFamily="18" charset="0"/>
+                      </a:rPr>
+                      <m:t> </m:t>
+                    </m:r>
+                    <m:r>
+                      <a:rPr lang="en-US" sz="3200" i="1">
+                        <a:latin typeface="Cambria Math" panose="02040503050406030204" pitchFamily="18" charset="0"/>
+                      </a:rPr>
+                      <m:t>𝑣𝑒𝑟𝑡𝑖𝑐𝑎𝑙</m:t>
+                    </m:r>
+                    <m:r>
+                      <a:rPr lang="en-US" sz="3200" i="1">
+                        <a:latin typeface="Cambria Math" panose="02040503050406030204" pitchFamily="18" charset="0"/>
+                      </a:rPr>
+                      <m:t> </m:t>
+                    </m:r>
+                    <m:r>
+                      <a:rPr lang="en-US" sz="3200" i="1">
+                        <a:latin typeface="Cambria Math" panose="02040503050406030204" pitchFamily="18" charset="0"/>
+                      </a:rPr>
+                      <m:t>𝑠h𝑖𝑓𝑡</m:t>
+                    </m:r>
+                    <m:r>
+                      <a:rPr lang="en-US" sz="3200" b="0" i="1" smtClean="0">
+                        <a:latin typeface="Cambria Math" panose="02040503050406030204" pitchFamily="18" charset="0"/>
+                      </a:rPr>
+                      <m:t>        (</m:t>
+                    </m:r>
+                    <m:r>
+                      <a:rPr lang="en-US" sz="3200" b="0" i="1" smtClean="0">
+                        <a:latin typeface="Cambria Math" panose="02040503050406030204" pitchFamily="18" charset="0"/>
+                      </a:rPr>
+                      <m:t>𝑚𝑜𝑣𝑒</m:t>
+                    </m:r>
+                    <m:r>
+                      <a:rPr lang="en-US" sz="3200" b="0" i="1" smtClean="0">
+                        <a:latin typeface="Cambria Math" panose="02040503050406030204" pitchFamily="18" charset="0"/>
+                      </a:rPr>
+                      <m:t> </m:t>
+                    </m:r>
+                    <m:r>
+                      <a:rPr lang="en-US" sz="3200" b="0" i="1" smtClean="0">
+                        <a:latin typeface="Cambria Math" panose="02040503050406030204" pitchFamily="18" charset="0"/>
+                      </a:rPr>
+                      <m:t>𝑢𝑝</m:t>
+                    </m:r>
+                    <m:r>
+                      <a:rPr lang="en-US" sz="3200" b="0" i="1" smtClean="0">
+                        <a:latin typeface="Cambria Math" panose="02040503050406030204" pitchFamily="18" charset="0"/>
+                      </a:rPr>
+                      <m:t> </m:t>
+                    </m:r>
+                    <m:r>
+                      <a:rPr lang="en-US" sz="3200" b="0" i="1" smtClean="0">
+                        <a:latin typeface="Cambria Math" panose="02040503050406030204" pitchFamily="18" charset="0"/>
+                      </a:rPr>
+                      <m:t>𝑎𝑛𝑑</m:t>
+                    </m:r>
+                    <m:r>
+                      <a:rPr lang="en-US" sz="3200" b="0" i="1" smtClean="0">
+                        <a:latin typeface="Cambria Math" panose="02040503050406030204" pitchFamily="18" charset="0"/>
+                      </a:rPr>
+                      <m:t> </m:t>
+                    </m:r>
+                    <m:r>
+                      <a:rPr lang="en-US" sz="3200" b="0" i="1" smtClean="0">
+                        <a:latin typeface="Cambria Math" panose="02040503050406030204" pitchFamily="18" charset="0"/>
+                      </a:rPr>
+                      <m:t>𝑑𝑜𝑤𝑛</m:t>
+                    </m:r>
+                    <m:r>
+                      <a:rPr lang="en-US" sz="3200" b="0" i="1" smtClean="0">
+                        <a:latin typeface="Cambria Math" panose="02040503050406030204" pitchFamily="18" charset="0"/>
+                      </a:rPr>
+                      <m:t>)</m:t>
+                    </m:r>
+                  </m:oMath>
+                </a14:m>
+                <a:r>
+                  <a:rPr lang="en-US" sz="3200" b="1" dirty="0"/>
+                  <a:t>	</a:t>
+                </a:r>
+                <a:endParaRPr lang="en-US" sz="3200" dirty="0"/>
+              </a:p>
+              <a:p>
+                <a:pPr marL="0" indent="0">
+                  <a:buNone/>
+                </a:pPr>
+                <a:endParaRPr lang="en-US" sz="3000" i="1" dirty="0" smtClean="0">
+                  <a:latin typeface="Cambria Math" panose="02040503050406030204" pitchFamily="18" charset="0"/>
+                </a:endParaRPr>
+              </a:p>
+              <a:p>
+                <a:r>
+                  <a:rPr lang="en-US" sz="3200" dirty="0" smtClean="0"/>
+                  <a:t>When </a:t>
+                </a:r>
+                <a:r>
+                  <a:rPr lang="en-US" sz="3200" dirty="0"/>
+                  <a:t>you reflect a graph over the x-axis the y-values change signs and the x-values stay the same	</a:t>
+                </a:r>
+                <a:r>
+                  <a:rPr lang="en-US" sz="3200" dirty="0" smtClean="0"/>
+                  <a:t/>
+                </a:r>
+                <a:br>
+                  <a:rPr lang="en-US" sz="3200" dirty="0" smtClean="0"/>
+                </a:br>
+                <a14:m>
+                  <m:oMath xmlns:m="http://schemas.openxmlformats.org/officeDocument/2006/math">
+                    <m:r>
+                      <a:rPr lang="en-US" sz="3200" i="1">
+                        <a:latin typeface="Cambria Math" panose="02040503050406030204" pitchFamily="18" charset="0"/>
+                      </a:rPr>
+                      <m:t>𝑓</m:t>
+                    </m:r>
+                    <m:d>
+                      <m:dPr>
+                        <m:ctrlPr>
+                          <a:rPr lang="en-US" sz="3200" i="1">
+                            <a:latin typeface="Cambria Math" panose="02040503050406030204" pitchFamily="18" charset="0"/>
+                          </a:rPr>
+                        </m:ctrlPr>
+                      </m:dPr>
+                      <m:e>
+                        <m:r>
+                          <a:rPr lang="en-US" sz="3200" i="1">
+                            <a:latin typeface="Cambria Math" panose="02040503050406030204" pitchFamily="18" charset="0"/>
+                          </a:rPr>
+                          <m:t>𝑥</m:t>
+                        </m:r>
+                      </m:e>
+                    </m:d>
+                    <m:r>
+                      <a:rPr lang="en-US" sz="3200" i="1">
+                        <a:latin typeface="Cambria Math" panose="02040503050406030204" pitchFamily="18" charset="0"/>
+                      </a:rPr>
+                      <m:t>→ −</m:t>
+                    </m:r>
+                    <m:r>
+                      <a:rPr lang="en-US" sz="3200" i="1">
+                        <a:latin typeface="Cambria Math" panose="02040503050406030204" pitchFamily="18" charset="0"/>
+                      </a:rPr>
+                      <m:t>𝑓</m:t>
+                    </m:r>
+                    <m:r>
+                      <a:rPr lang="en-US" sz="3200" i="1">
+                        <a:latin typeface="Cambria Math" panose="02040503050406030204" pitchFamily="18" charset="0"/>
+                      </a:rPr>
+                      <m:t>(</m:t>
+                    </m:r>
+                    <m:r>
+                      <a:rPr lang="en-US" sz="3200" i="1">
+                        <a:latin typeface="Cambria Math" panose="02040503050406030204" pitchFamily="18" charset="0"/>
+                      </a:rPr>
+                      <m:t>𝑥</m:t>
+                    </m:r>
+                    <m:r>
+                      <a:rPr lang="en-US" sz="3200" i="1">
+                        <a:latin typeface="Cambria Math" panose="02040503050406030204" pitchFamily="18" charset="0"/>
+                      </a:rPr>
+                      <m:t>)</m:t>
+                    </m:r>
+                  </m:oMath>
+                </a14:m>
+                <a:r>
+                  <a:rPr lang="en-US" dirty="0"/>
+                  <a:t> </a:t>
+                </a:r>
+              </a:p>
+              <a:p>
+                <a:pPr marL="0" indent="0">
+                  <a:buNone/>
+                </a:pPr>
+                <a:endParaRPr lang="en-US" dirty="0"/>
+              </a:p>
+            </p:txBody>
+          </p:sp>
+        </mc:Choice>
+        <mc:Fallback xmlns="">
+          <p:sp>
+            <p:nvSpPr>
+              <p:cNvPr id="3" name="Content Placeholder 2"/>
+              <p:cNvSpPr>
+                <a:spLocks noGrp="1" noRot="1" noChangeAspect="1" noMove="1" noResize="1" noEditPoints="1" noAdjustHandles="1" noChangeArrowheads="1" noChangeShapeType="1" noTextEdit="1"/>
+              </p:cNvSpPr>
+              <p:nvPr>
+                <p:ph idx="1"/>
+              </p:nvPr>
+            </p:nvSpPr>
+            <p:spPr>
+              <a:xfrm>
+                <a:off x="1371599" y="1762699"/>
+                <a:ext cx="10635521" cy="4880471"/>
+              </a:xfrm>
+              <a:blipFill rotWithShape="0">
+                <a:blip r:embed="rId2"/>
+                <a:stretch>
+                  <a:fillRect l="-1318"/>
+                </a:stretch>
+              </a:blipFill>
+            </p:spPr>
+            <p:txBody>
+              <a:bodyPr/>
+              <a:lstStyle/>
+              <a:p>
+                <a:r>
+                  <a:rPr lang="en-US">
+                    <a:noFill/>
+                  </a:rPr>
+                  <a:t> </a:t>
+                </a:r>
+              </a:p>
+            </p:txBody>
+          </p:sp>
+        </mc:Fallback>
+      </mc:AlternateContent>
+    </p:spTree>
+    <p:extLst>
+      <p:ext uri="{BB962C8B-B14F-4D97-AF65-F5344CB8AC3E}">
+        <p14:creationId xmlns:p14="http://schemas.microsoft.com/office/powerpoint/2010/main" val="2881032968"/>
+      </p:ext>
+    </p:extLst>
+  </p:cSld>
+  <p:clrMapOvr>
+    <a:masterClrMapping/>
+  </p:clrMapOvr>
+  <p:timing>
+    <p:tnLst>
+      <p:par>
+        <p:cTn id="1" dur="indefinite" restart="never" nodeType="tmRoot"/>
+      </p:par>
+    </p:tnLst>
+  </p:timing>
+</p:sld>
+</file>
+
+<file path=ppt/slides/slide7.xml><?xml version="1.0" encoding="utf-8"?>
 <p:sld xmlns:a="http://schemas.openxmlformats.org/drawingml/2006/main" xmlns:r="http://schemas.openxmlformats.org/officeDocument/2006/relationships" xmlns:p="http://schemas.openxmlformats.org/presentationml/2006/main">
   <p:cSld>
     <p:spTree>
@@ -4213,7 +5653,7 @@
 </p:sld>
 </file>
 
-<file path=ppt/slides/slide11.xml><?xml version="1.0" encoding="utf-8"?>
+<file path=ppt/slides/slide8.xml><?xml version="1.0" encoding="utf-8"?>
 <p:sld xmlns:a="http://schemas.openxmlformats.org/drawingml/2006/main" xmlns:r="http://schemas.openxmlformats.org/officeDocument/2006/relationships" xmlns:p="http://schemas.openxmlformats.org/presentationml/2006/main">
   <p:cSld>
     <p:spTree>
@@ -4426,15 +5866,7 @@
             </a:r>
             <a:r>
               <a:rPr lang="en-US" dirty="0" smtClean="0"/>
-              <a:t>		</a:t>
-            </a:r>
-            <a:r>
-              <a:rPr lang="en-US" dirty="0" smtClean="0"/>
-              <a:t>      (</a:t>
-            </a:r>
-            <a:r>
-              <a:rPr lang="en-US" dirty="0" smtClean="0"/>
-              <a:t>think opposite value for h… like before)</a:t>
+              <a:t>		      (think opposite value for h… like before)</a:t>
             </a:r>
             <a:endParaRPr lang="en-US" dirty="0"/>
           </a:p>
@@ -4445,11 +5877,7 @@
             </a:r>
             <a:r>
               <a:rPr lang="en-US" dirty="0"/>
-              <a:t>: x = </a:t>
-            </a:r>
-            <a:r>
-              <a:rPr lang="en-US" dirty="0"/>
-              <a:t>h    (Symmetric about line of symmetry</a:t>
+              <a:t>: x = h    (Symmetric about line of symmetry</a:t>
             </a:r>
             <a:r>
               <a:rPr lang="en-US" dirty="0" smtClean="0"/>
@@ -4516,7 +5944,7 @@
 </p:sld>
 </file>
 
-<file path=ppt/slides/slide12.xml><?xml version="1.0" encoding="utf-8"?>
+<file path=ppt/slides/slide9.xml><?xml version="1.0" encoding="utf-8"?>
 <p:sld xmlns:a="http://schemas.openxmlformats.org/drawingml/2006/main" xmlns:r="http://schemas.openxmlformats.org/officeDocument/2006/relationships" xmlns:p="http://schemas.openxmlformats.org/presentationml/2006/main">
   <p:cSld>
     <p:spTree>
@@ -4563,8 +5991,8 @@
           </a:p>
         </p:txBody>
       </p:sp>
-      <mc:AlternateContent xmlns:mc="http://schemas.openxmlformats.org/markup-compatibility/2006">
-        <mc:Choice xmlns:a14="http://schemas.microsoft.com/office/drawing/2010/main" Requires="a14">
+      <mc:AlternateContent xmlns:mc="http://schemas.openxmlformats.org/markup-compatibility/2006" xmlns:a14="http://schemas.microsoft.com/office/drawing/2010/main">
+        <mc:Choice Requires="a14">
           <p:sp>
             <p:nvSpPr>
               <p:cNvPr id="3" name="Content Placeholder 2"/>
@@ -5046,7 +6474,7 @@
             </p:txBody>
           </p:sp>
         </mc:Choice>
-        <mc:Fallback>
+        <mc:Fallback xmlns="">
           <p:sp>
             <p:nvSpPr>
               <p:cNvPr id="3" name="Content Placeholder 2"/>
@@ -5088,2303 +6516,6 @@
     <p:extLst>
       <p:ext uri="{BB962C8B-B14F-4D97-AF65-F5344CB8AC3E}">
         <p14:creationId xmlns:p14="http://schemas.microsoft.com/office/powerpoint/2010/main" val="2509323724"/>
-      </p:ext>
-    </p:extLst>
-  </p:cSld>
-  <p:clrMapOvr>
-    <a:masterClrMapping/>
-  </p:clrMapOvr>
-  <p:timing>
-    <p:tnLst>
-      <p:par>
-        <p:cTn id="1" dur="indefinite" restart="never" nodeType="tmRoot"/>
-      </p:par>
-    </p:tnLst>
-  </p:timing>
-</p:sld>
-</file>
-
-<file path=ppt/slides/slide13.xml><?xml version="1.0" encoding="utf-8"?>
-<p:sld xmlns:a="http://schemas.openxmlformats.org/drawingml/2006/main" xmlns:r="http://schemas.openxmlformats.org/officeDocument/2006/relationships" xmlns:p="http://schemas.openxmlformats.org/presentationml/2006/main">
-  <p:cSld>
-    <p:spTree>
-      <p:nvGrpSpPr>
-        <p:cNvPr id="1" name=""/>
-        <p:cNvGrpSpPr/>
-        <p:nvPr/>
-      </p:nvGrpSpPr>
-      <p:grpSpPr>
-        <a:xfrm>
-          <a:off x="0" y="0"/>
-          <a:ext cx="0" cy="0"/>
-          <a:chOff x="0" y="0"/>
-          <a:chExt cx="0" cy="0"/>
-        </a:xfrm>
-      </p:grpSpPr>
-      <p:sp>
-        <p:nvSpPr>
-          <p:cNvPr id="2" name="Title 1"/>
-          <p:cNvSpPr>
-            <a:spLocks noGrp="1"/>
-          </p:cNvSpPr>
-          <p:nvPr>
-            <p:ph type="title"/>
-          </p:nvPr>
-        </p:nvSpPr>
-        <p:spPr>
-          <a:xfrm>
-            <a:off x="1371600" y="685800"/>
-            <a:ext cx="10470630" cy="1485900"/>
-          </a:xfrm>
-        </p:spPr>
-        <p:txBody>
-          <a:bodyPr/>
-          <a:lstStyle/>
-          <a:p>
-            <a:r>
-              <a:rPr lang="en-US" dirty="0" smtClean="0"/>
-              <a:t>Write the equation of the graphs below…</a:t>
-            </a:r>
-            <a:endParaRPr lang="en-US" dirty="0"/>
-          </a:p>
-        </p:txBody>
-      </p:sp>
-      <p:pic>
-        <p:nvPicPr>
-          <p:cNvPr id="4" name="Picture 3"/>
-          <p:cNvPicPr/>
-          <p:nvPr/>
-        </p:nvPicPr>
-        <p:blipFill>
-          <a:blip r:embed="rId2" cstate="print"/>
-          <a:srcRect/>
-          <a:stretch>
-            <a:fillRect/>
-          </a:stretch>
-        </p:blipFill>
-        <p:spPr bwMode="auto">
-          <a:xfrm>
-            <a:off x="4362450" y="4883905"/>
-            <a:ext cx="4488929" cy="1835046"/>
-          </a:xfrm>
-          <a:prstGeom prst="rect">
-            <a:avLst/>
-          </a:prstGeom>
-          <a:noFill/>
-          <a:ln w="9525">
-            <a:noFill/>
-            <a:miter lim="800000"/>
-            <a:headEnd/>
-            <a:tailEnd/>
-          </a:ln>
-        </p:spPr>
-      </p:pic>
-      <p:pic>
-        <p:nvPicPr>
-          <p:cNvPr id="6" name="Picture 5"/>
-          <p:cNvPicPr/>
-          <p:nvPr/>
-        </p:nvPicPr>
-        <p:blipFill>
-          <a:blip r:embed="rId3" cstate="print"/>
-          <a:srcRect/>
-          <a:stretch>
-            <a:fillRect/>
-          </a:stretch>
-        </p:blipFill>
-        <p:spPr bwMode="auto">
-          <a:xfrm>
-            <a:off x="2255393" y="1477664"/>
-            <a:ext cx="2916211" cy="2793089"/>
-          </a:xfrm>
-          <a:prstGeom prst="rect">
-            <a:avLst/>
-          </a:prstGeom>
-          <a:noFill/>
-          <a:ln w="9525">
-            <a:noFill/>
-            <a:miter lim="800000"/>
-            <a:headEnd/>
-            <a:tailEnd/>
-          </a:ln>
-        </p:spPr>
-      </p:pic>
-      <p:pic>
-        <p:nvPicPr>
-          <p:cNvPr id="7" name="Picture 6"/>
-          <p:cNvPicPr/>
-          <p:nvPr/>
-        </p:nvPicPr>
-        <p:blipFill>
-          <a:blip r:embed="rId4" cstate="print"/>
-          <a:srcRect/>
-          <a:stretch>
-            <a:fillRect/>
-          </a:stretch>
-        </p:blipFill>
-        <p:spPr bwMode="auto">
-          <a:xfrm>
-            <a:off x="8349522" y="1477664"/>
-            <a:ext cx="2621405" cy="2769042"/>
-          </a:xfrm>
-          <a:prstGeom prst="rect">
-            <a:avLst/>
-          </a:prstGeom>
-          <a:noFill/>
-          <a:ln w="9525">
-            <a:noFill/>
-            <a:miter lim="800000"/>
-            <a:headEnd/>
-            <a:tailEnd/>
-          </a:ln>
-        </p:spPr>
-      </p:pic>
-    </p:spTree>
-    <p:extLst>
-      <p:ext uri="{BB962C8B-B14F-4D97-AF65-F5344CB8AC3E}">
-        <p14:creationId xmlns:p14="http://schemas.microsoft.com/office/powerpoint/2010/main" val="616597357"/>
-      </p:ext>
-    </p:extLst>
-  </p:cSld>
-  <p:clrMapOvr>
-    <a:masterClrMapping/>
-  </p:clrMapOvr>
-  <p:timing>
-    <p:tnLst>
-      <p:par>
-        <p:cTn id="1" dur="indefinite" restart="never" nodeType="tmRoot"/>
-      </p:par>
-    </p:tnLst>
-  </p:timing>
-</p:sld>
-</file>
-
-<file path=ppt/slides/slide14.xml><?xml version="1.0" encoding="utf-8"?>
-<p:sld xmlns:a="http://schemas.openxmlformats.org/drawingml/2006/main" xmlns:r="http://schemas.openxmlformats.org/officeDocument/2006/relationships" xmlns:p="http://schemas.openxmlformats.org/presentationml/2006/main">
-  <p:cSld>
-    <p:spTree>
-      <p:nvGrpSpPr>
-        <p:cNvPr id="1" name=""/>
-        <p:cNvGrpSpPr/>
-        <p:nvPr/>
-      </p:nvGrpSpPr>
-      <p:grpSpPr>
-        <a:xfrm>
-          <a:off x="0" y="0"/>
-          <a:ext cx="0" cy="0"/>
-          <a:chOff x="0" y="0"/>
-          <a:chExt cx="0" cy="0"/>
-        </a:xfrm>
-      </p:grpSpPr>
-      <p:sp>
-        <p:nvSpPr>
-          <p:cNvPr id="2" name="Title 1"/>
-          <p:cNvSpPr>
-            <a:spLocks noGrp="1"/>
-          </p:cNvSpPr>
-          <p:nvPr>
-            <p:ph type="title"/>
-          </p:nvPr>
-        </p:nvSpPr>
-        <p:spPr/>
-        <p:txBody>
-          <a:bodyPr/>
-          <a:lstStyle/>
-          <a:p>
-            <a:r>
-              <a:rPr lang="en-US" dirty="0" smtClean="0"/>
-              <a:t>For Next Time… </a:t>
-            </a:r>
-            <a:endParaRPr lang="en-US" dirty="0"/>
-          </a:p>
-        </p:txBody>
-      </p:sp>
-      <p:sp>
-        <p:nvSpPr>
-          <p:cNvPr id="3" name="Content Placeholder 2"/>
-          <p:cNvSpPr>
-            <a:spLocks noGrp="1"/>
-          </p:cNvSpPr>
-          <p:nvPr>
-            <p:ph idx="1"/>
-          </p:nvPr>
-        </p:nvSpPr>
-        <p:spPr>
-          <a:xfrm>
-            <a:off x="1371600" y="1753849"/>
-            <a:ext cx="9601200" cy="4961744"/>
-          </a:xfrm>
-        </p:spPr>
-        <p:txBody>
-          <a:bodyPr>
-            <a:normAutofit/>
-          </a:bodyPr>
-          <a:lstStyle/>
-          <a:p>
-            <a:pPr marL="0" indent="0">
-              <a:buNone/>
-            </a:pPr>
-            <a:r>
-              <a:rPr lang="en-US" sz="3000" dirty="0" smtClean="0"/>
-              <a:t>New Material </a:t>
-            </a:r>
-          </a:p>
-          <a:p>
-            <a:pPr marL="0" indent="0">
-              <a:buNone/>
-            </a:pPr>
-            <a:r>
-              <a:rPr lang="en-US" sz="3000" dirty="0" smtClean="0"/>
-              <a:t>Page 110 #9, 11, 15, 25, 29, 34</a:t>
-            </a:r>
-            <a:endParaRPr lang="en-US" sz="3200" dirty="0" smtClean="0"/>
-          </a:p>
-          <a:p>
-            <a:pPr marL="0" indent="0">
-              <a:buNone/>
-            </a:pPr>
-            <a:endParaRPr lang="en-US" sz="3000" dirty="0" smtClean="0"/>
-          </a:p>
-          <a:p>
-            <a:pPr marL="0" indent="0">
-              <a:buNone/>
-            </a:pPr>
-            <a:r>
-              <a:rPr lang="en-US" sz="3000" dirty="0" smtClean="0"/>
-              <a:t>Mixed Review</a:t>
-            </a:r>
-            <a:endParaRPr lang="en-US" sz="3000" dirty="0"/>
-          </a:p>
-          <a:p>
-            <a:pPr marL="0" indent="0">
-              <a:buNone/>
-            </a:pPr>
-            <a:r>
-              <a:rPr lang="en-US" sz="3000" dirty="0" smtClean="0"/>
-              <a:t>Page 113 #61, 63, 64</a:t>
-            </a:r>
-          </a:p>
-        </p:txBody>
-      </p:sp>
-    </p:spTree>
-    <p:extLst>
-      <p:ext uri="{BB962C8B-B14F-4D97-AF65-F5344CB8AC3E}">
-        <p14:creationId xmlns:p14="http://schemas.microsoft.com/office/powerpoint/2010/main" val="3701921675"/>
-      </p:ext>
-    </p:extLst>
-  </p:cSld>
-  <p:clrMapOvr>
-    <a:masterClrMapping/>
-  </p:clrMapOvr>
-  <p:timing>
-    <p:tnLst>
-      <p:par>
-        <p:cTn id="1" dur="indefinite" restart="never" nodeType="tmRoot"/>
-      </p:par>
-    </p:tnLst>
-  </p:timing>
-</p:sld>
-</file>
-
-<file path=ppt/slides/slide2.xml><?xml version="1.0" encoding="utf-8"?>
-<p:sld xmlns:a="http://schemas.openxmlformats.org/drawingml/2006/main" xmlns:r="http://schemas.openxmlformats.org/officeDocument/2006/relationships" xmlns:p="http://schemas.openxmlformats.org/presentationml/2006/main">
-  <p:cSld>
-    <p:spTree>
-      <p:nvGrpSpPr>
-        <p:cNvPr id="1" name=""/>
-        <p:cNvGrpSpPr/>
-        <p:nvPr/>
-      </p:nvGrpSpPr>
-      <p:grpSpPr>
-        <a:xfrm>
-          <a:off x="0" y="0"/>
-          <a:ext cx="0" cy="0"/>
-          <a:chOff x="0" y="0"/>
-          <a:chExt cx="0" cy="0"/>
-        </a:xfrm>
-      </p:grpSpPr>
-      <p:sp>
-        <p:nvSpPr>
-          <p:cNvPr id="2" name="Title 1"/>
-          <p:cNvSpPr>
-            <a:spLocks noGrp="1"/>
-          </p:cNvSpPr>
-          <p:nvPr>
-            <p:ph type="ctrTitle"/>
-          </p:nvPr>
-        </p:nvSpPr>
-        <p:spPr/>
-        <p:txBody>
-          <a:bodyPr/>
-          <a:lstStyle/>
-          <a:p>
-            <a:r>
-              <a:rPr lang="en-US" dirty="0" smtClean="0"/>
-              <a:t>ALGEBRA 3</a:t>
-            </a:r>
-            <a:endParaRPr lang="en-US" dirty="0"/>
-          </a:p>
-        </p:txBody>
-      </p:sp>
-      <p:sp>
-        <p:nvSpPr>
-          <p:cNvPr id="3" name="Subtitle 2"/>
-          <p:cNvSpPr>
-            <a:spLocks noGrp="1"/>
-          </p:cNvSpPr>
-          <p:nvPr>
-            <p:ph type="subTitle" idx="1"/>
-          </p:nvPr>
-        </p:nvSpPr>
-        <p:spPr/>
-        <p:txBody>
-          <a:bodyPr/>
-          <a:lstStyle/>
-          <a:p>
-            <a:r>
-              <a:rPr lang="en-US" dirty="0" smtClean="0"/>
-              <a:t>Day 19</a:t>
-            </a:r>
-            <a:endParaRPr lang="en-US" dirty="0"/>
-          </a:p>
-        </p:txBody>
-      </p:sp>
-    </p:spTree>
-    <p:extLst>
-      <p:ext uri="{BB962C8B-B14F-4D97-AF65-F5344CB8AC3E}">
-        <p14:creationId xmlns:p14="http://schemas.microsoft.com/office/powerpoint/2010/main" val="3063505576"/>
-      </p:ext>
-    </p:extLst>
-  </p:cSld>
-  <p:clrMapOvr>
-    <a:masterClrMapping/>
-  </p:clrMapOvr>
-  <p:timing>
-    <p:tnLst>
-      <p:par>
-        <p:cTn id="1" dur="indefinite" restart="never" nodeType="tmRoot"/>
-      </p:par>
-    </p:tnLst>
-  </p:timing>
-</p:sld>
-</file>
-
-<file path=ppt/slides/slide3.xml><?xml version="1.0" encoding="utf-8"?>
-<p:sld xmlns:a="http://schemas.openxmlformats.org/drawingml/2006/main" xmlns:r="http://schemas.openxmlformats.org/officeDocument/2006/relationships" xmlns:p="http://schemas.openxmlformats.org/presentationml/2006/main">
-  <p:cSld>
-    <p:spTree>
-      <p:nvGrpSpPr>
-        <p:cNvPr id="1" name=""/>
-        <p:cNvGrpSpPr/>
-        <p:nvPr/>
-      </p:nvGrpSpPr>
-      <p:grpSpPr>
-        <a:xfrm>
-          <a:off x="0" y="0"/>
-          <a:ext cx="0" cy="0"/>
-          <a:chOff x="0" y="0"/>
-          <a:chExt cx="0" cy="0"/>
-        </a:xfrm>
-      </p:grpSpPr>
-      <p:sp>
-        <p:nvSpPr>
-          <p:cNvPr id="2" name="Title 1"/>
-          <p:cNvSpPr>
-            <a:spLocks noGrp="1"/>
-          </p:cNvSpPr>
-          <p:nvPr>
-            <p:ph type="title"/>
-          </p:nvPr>
-        </p:nvSpPr>
-        <p:spPr/>
-        <p:txBody>
-          <a:bodyPr/>
-          <a:lstStyle/>
-          <a:p>
-            <a:r>
-              <a:rPr lang="en-US" dirty="0" smtClean="0"/>
-              <a:t>Unit 2 Quiz 1</a:t>
-            </a:r>
-            <a:br>
-              <a:rPr lang="en-US" dirty="0" smtClean="0"/>
-            </a:br>
-            <a:r>
-              <a:rPr lang="en-US" dirty="0" smtClean="0"/>
-              <a:t>Level 2</a:t>
-            </a:r>
-            <a:endParaRPr lang="en-US" dirty="0"/>
-          </a:p>
-        </p:txBody>
-      </p:sp>
-      <mc:AlternateContent xmlns:mc="http://schemas.openxmlformats.org/markup-compatibility/2006" xmlns:a14="http://schemas.microsoft.com/office/drawing/2010/main">
-        <mc:Choice Requires="a14">
-          <p:sp>
-            <p:nvSpPr>
-              <p:cNvPr id="3" name="Content Placeholder 2"/>
-              <p:cNvSpPr>
-                <a:spLocks noGrp="1"/>
-              </p:cNvSpPr>
-              <p:nvPr>
-                <p:ph idx="1"/>
-              </p:nvPr>
-            </p:nvSpPr>
-            <p:spPr>
-              <a:xfrm>
-                <a:off x="1371600" y="1916935"/>
-                <a:ext cx="9601200" cy="4941065"/>
-              </a:xfrm>
-            </p:spPr>
-            <p:txBody>
-              <a:bodyPr>
-                <a:normAutofit/>
-              </a:bodyPr>
-              <a:lstStyle/>
-              <a:p>
-                <a:pPr marL="0" indent="0">
-                  <a:buNone/>
-                </a:pPr>
-                <a:r>
-                  <a:rPr lang="en-US" sz="3000" dirty="0" smtClean="0"/>
-                  <a:t>Find the slope and the x and y-intercepts</a:t>
-                </a:r>
-              </a:p>
-              <a:p>
-                <a:pPr marL="0" indent="0">
-                  <a:buNone/>
-                </a:pPr>
-                <a:r>
-                  <a:rPr lang="en-US" sz="3000" dirty="0" smtClean="0"/>
-                  <a:t>1.)  </a:t>
-                </a:r>
-                <a14:m>
-                  <m:oMath xmlns:m="http://schemas.openxmlformats.org/officeDocument/2006/math">
-                    <m:r>
-                      <m:rPr>
-                        <m:sty m:val="p"/>
-                      </m:rPr>
-                      <a:rPr lang="en-US" sz="3000" b="0" i="0" smtClean="0">
-                        <a:latin typeface="Cambria Math" panose="02040503050406030204" pitchFamily="18" charset="0"/>
-                      </a:rPr>
-                      <m:t>y</m:t>
-                    </m:r>
-                    <m:r>
-                      <a:rPr lang="en-US" sz="3000" b="0" i="0" smtClean="0">
-                        <a:latin typeface="Cambria Math" panose="02040503050406030204" pitchFamily="18" charset="0"/>
-                      </a:rPr>
-                      <m:t>=</m:t>
-                    </m:r>
-                    <m:f>
-                      <m:fPr>
-                        <m:ctrlPr>
-                          <a:rPr lang="en-US" sz="3000" i="1" smtClean="0">
-                            <a:latin typeface="Cambria Math" panose="02040503050406030204" pitchFamily="18" charset="0"/>
-                          </a:rPr>
-                        </m:ctrlPr>
-                      </m:fPr>
-                      <m:num>
-                        <m:r>
-                          <a:rPr lang="en-US" sz="3000" b="0" i="1" smtClean="0">
-                            <a:latin typeface="Cambria Math" panose="02040503050406030204" pitchFamily="18" charset="0"/>
-                          </a:rPr>
-                          <m:t>2</m:t>
-                        </m:r>
-                      </m:num>
-                      <m:den>
-                        <m:r>
-                          <a:rPr lang="en-US" sz="3000" b="0" i="1" smtClean="0">
-                            <a:latin typeface="Cambria Math" panose="02040503050406030204" pitchFamily="18" charset="0"/>
-                          </a:rPr>
-                          <m:t>3</m:t>
-                        </m:r>
-                      </m:den>
-                    </m:f>
-                    <m:r>
-                      <a:rPr lang="en-US" sz="3000" b="0" i="1" smtClean="0">
-                        <a:latin typeface="Cambria Math" panose="02040503050406030204" pitchFamily="18" charset="0"/>
-                      </a:rPr>
-                      <m:t>𝑥</m:t>
-                    </m:r>
-                    <m:r>
-                      <a:rPr lang="en-US" sz="3000" b="0" i="1" smtClean="0">
-                        <a:latin typeface="Cambria Math" panose="02040503050406030204" pitchFamily="18" charset="0"/>
-                      </a:rPr>
-                      <m:t>+4</m:t>
-                    </m:r>
-                  </m:oMath>
-                </a14:m>
-                <a:endParaRPr lang="en-US" sz="3000" dirty="0" smtClean="0"/>
-              </a:p>
-              <a:p>
-                <a:pPr marL="0" indent="0">
-                  <a:buNone/>
-                </a:pPr>
-                <a:endParaRPr lang="en-US" sz="3000" dirty="0" smtClean="0"/>
-              </a:p>
-              <a:p>
-                <a:pPr marL="0" indent="0">
-                  <a:buNone/>
-                </a:pPr>
-                <a:r>
-                  <a:rPr lang="en-US" sz="3000" dirty="0" smtClean="0"/>
-                  <a:t>Write the equation of the line given: </a:t>
-                </a:r>
-                <a:endParaRPr lang="en-US" sz="3000" dirty="0"/>
-              </a:p>
-              <a:p>
-                <a:pPr marL="0" indent="0">
-                  <a:buNone/>
-                </a:pPr>
-                <a:r>
-                  <a:rPr lang="en-US" sz="3000" dirty="0" smtClean="0"/>
-                  <a:t>2.)  </a:t>
-                </a:r>
-                <a14:m>
-                  <m:oMath xmlns:m="http://schemas.openxmlformats.org/officeDocument/2006/math">
-                    <m:r>
-                      <a:rPr lang="en-US" sz="3000" i="1" dirty="0" smtClean="0">
-                        <a:latin typeface="Cambria Math" panose="02040503050406030204" pitchFamily="18" charset="0"/>
-                      </a:rPr>
-                      <m:t>𝑠</m:t>
-                    </m:r>
-                    <m:r>
-                      <a:rPr lang="en-US" sz="3000" b="0" i="1" dirty="0" smtClean="0">
-                        <a:latin typeface="Cambria Math" panose="02040503050406030204" pitchFamily="18" charset="0"/>
-                      </a:rPr>
-                      <m:t>𝑙𝑜𝑝𝑒</m:t>
-                    </m:r>
-                    <m:r>
-                      <a:rPr lang="en-US" sz="3000" b="0" i="1" dirty="0" smtClean="0">
-                        <a:latin typeface="Cambria Math" panose="02040503050406030204" pitchFamily="18" charset="0"/>
-                      </a:rPr>
-                      <m:t>=−4  </m:t>
-                    </m:r>
-                    <m:r>
-                      <a:rPr lang="en-US" sz="3000" b="0" i="1" dirty="0" smtClean="0">
-                        <a:latin typeface="Cambria Math" panose="02040503050406030204" pitchFamily="18" charset="0"/>
-                      </a:rPr>
-                      <m:t>𝑎𝑛𝑑</m:t>
-                    </m:r>
-                    <m:r>
-                      <a:rPr lang="en-US" sz="3000" b="0" i="1" dirty="0" smtClean="0">
-                        <a:latin typeface="Cambria Math" panose="02040503050406030204" pitchFamily="18" charset="0"/>
-                      </a:rPr>
-                      <m:t> </m:t>
-                    </m:r>
-                    <m:r>
-                      <a:rPr lang="en-US" sz="3000" b="0" i="1" dirty="0" smtClean="0">
-                        <a:latin typeface="Cambria Math" panose="02040503050406030204" pitchFamily="18" charset="0"/>
-                      </a:rPr>
-                      <m:t>𝑦</m:t>
-                    </m:r>
-                    <m:r>
-                      <a:rPr lang="en-US" sz="3000" b="0" i="1" dirty="0" smtClean="0">
-                        <a:latin typeface="Cambria Math" panose="02040503050406030204" pitchFamily="18" charset="0"/>
-                      </a:rPr>
-                      <m:t>−</m:t>
-                    </m:r>
-                    <m:r>
-                      <a:rPr lang="en-US" sz="3000" b="0" i="1" dirty="0" smtClean="0">
-                        <a:latin typeface="Cambria Math" panose="02040503050406030204" pitchFamily="18" charset="0"/>
-                      </a:rPr>
-                      <m:t>𝑖𝑛𝑡𝑒𝑟𝑐𝑒𝑝𝑡</m:t>
-                    </m:r>
-                    <m:r>
-                      <a:rPr lang="en-US" sz="3000" b="0" i="1" dirty="0" smtClean="0">
-                        <a:latin typeface="Cambria Math" panose="02040503050406030204" pitchFamily="18" charset="0"/>
-                      </a:rPr>
-                      <m:t> </m:t>
-                    </m:r>
-                    <m:r>
-                      <a:rPr lang="en-US" sz="3000" b="0" i="1" dirty="0" smtClean="0">
-                        <a:latin typeface="Cambria Math" panose="02040503050406030204" pitchFamily="18" charset="0"/>
-                      </a:rPr>
-                      <m:t>𝑖𝑠</m:t>
-                    </m:r>
-                    <m:r>
-                      <a:rPr lang="en-US" sz="3000" b="0" i="1" dirty="0" smtClean="0">
-                        <a:latin typeface="Cambria Math" panose="02040503050406030204" pitchFamily="18" charset="0"/>
-                      </a:rPr>
-                      <m:t> (0, 9)</m:t>
-                    </m:r>
-                  </m:oMath>
-                </a14:m>
-                <a:endParaRPr lang="en-US" sz="3000" dirty="0" smtClean="0"/>
-              </a:p>
-              <a:p>
-                <a:pPr marL="0" indent="0">
-                  <a:buNone/>
-                </a:pPr>
-                <a:endParaRPr lang="en-US" sz="3000" dirty="0" smtClean="0"/>
-              </a:p>
-              <a:p>
-                <a:pPr marL="0" indent="0">
-                  <a:buNone/>
-                </a:pPr>
-                <a:r>
-                  <a:rPr lang="en-US" sz="3000" dirty="0" smtClean="0"/>
-                  <a:t>Identify the slope between. </a:t>
-                </a:r>
-                <a:endParaRPr lang="en-US" sz="3000" dirty="0"/>
-              </a:p>
-              <a:p>
-                <a:pPr marL="0" indent="0">
-                  <a:buNone/>
-                </a:pPr>
-                <a:r>
-                  <a:rPr lang="en-US" sz="3000" dirty="0" smtClean="0"/>
-                  <a:t>3.) </a:t>
-                </a:r>
-                <a14:m>
-                  <m:oMath xmlns:m="http://schemas.openxmlformats.org/officeDocument/2006/math">
-                    <m:d>
-                      <m:dPr>
-                        <m:ctrlPr>
-                          <a:rPr lang="en-US" sz="3000" b="0" i="1" smtClean="0">
-                            <a:latin typeface="Cambria Math" panose="02040503050406030204" pitchFamily="18" charset="0"/>
-                          </a:rPr>
-                        </m:ctrlPr>
-                      </m:dPr>
-                      <m:e>
-                        <m:r>
-                          <a:rPr lang="en-US" sz="3000" b="0" i="1" smtClean="0">
-                            <a:latin typeface="Cambria Math" panose="02040503050406030204" pitchFamily="18" charset="0"/>
-                          </a:rPr>
-                          <m:t>7, −3</m:t>
-                        </m:r>
-                      </m:e>
-                    </m:d>
-                    <m:r>
-                      <a:rPr lang="en-US" sz="3000" b="0" i="1" smtClean="0">
-                        <a:latin typeface="Cambria Math" panose="02040503050406030204" pitchFamily="18" charset="0"/>
-                      </a:rPr>
-                      <m:t> </m:t>
-                    </m:r>
-                    <m:r>
-                      <a:rPr lang="en-US" sz="3000" b="0" i="1" smtClean="0">
-                        <a:latin typeface="Cambria Math" panose="02040503050406030204" pitchFamily="18" charset="0"/>
-                      </a:rPr>
-                      <m:t>𝑎𝑛𝑑</m:t>
-                    </m:r>
-                    <m:r>
-                      <a:rPr lang="en-US" sz="3000" b="0" i="1" smtClean="0">
-                        <a:latin typeface="Cambria Math" panose="02040503050406030204" pitchFamily="18" charset="0"/>
-                      </a:rPr>
-                      <m:t> (−2, 4) </m:t>
-                    </m:r>
-                  </m:oMath>
-                </a14:m>
-                <a:endParaRPr lang="en-US" sz="3000" dirty="0"/>
-              </a:p>
-            </p:txBody>
-          </p:sp>
-        </mc:Choice>
-        <mc:Fallback xmlns="">
-          <p:sp>
-            <p:nvSpPr>
-              <p:cNvPr id="3" name="Content Placeholder 2"/>
-              <p:cNvSpPr>
-                <a:spLocks noGrp="1" noRot="1" noChangeAspect="1" noMove="1" noResize="1" noEditPoints="1" noAdjustHandles="1" noChangeArrowheads="1" noChangeShapeType="1" noTextEdit="1"/>
-              </p:cNvSpPr>
-              <p:nvPr>
-                <p:ph idx="1"/>
-              </p:nvPr>
-            </p:nvSpPr>
-            <p:spPr>
-              <a:xfrm>
-                <a:off x="1371600" y="1916935"/>
-                <a:ext cx="9601200" cy="4941065"/>
-              </a:xfrm>
-              <a:blipFill rotWithShape="0">
-                <a:blip r:embed="rId2"/>
-                <a:stretch>
-                  <a:fillRect l="-1460" t="-2096" b="-493"/>
-                </a:stretch>
-              </a:blipFill>
-            </p:spPr>
-            <p:txBody>
-              <a:bodyPr/>
-              <a:lstStyle/>
-              <a:p>
-                <a:r>
-                  <a:rPr lang="en-US">
-                    <a:noFill/>
-                  </a:rPr>
-                  <a:t> </a:t>
-                </a:r>
-              </a:p>
-            </p:txBody>
-          </p:sp>
-        </mc:Fallback>
-      </mc:AlternateContent>
-    </p:spTree>
-    <p:extLst>
-      <p:ext uri="{BB962C8B-B14F-4D97-AF65-F5344CB8AC3E}">
-        <p14:creationId xmlns:p14="http://schemas.microsoft.com/office/powerpoint/2010/main" val="2990393361"/>
-      </p:ext>
-    </p:extLst>
-  </p:cSld>
-  <p:clrMapOvr>
-    <a:masterClrMapping/>
-  </p:clrMapOvr>
-  <p:timing>
-    <p:tnLst>
-      <p:par>
-        <p:cTn id="1" dur="indefinite" restart="never" nodeType="tmRoot"/>
-      </p:par>
-    </p:tnLst>
-  </p:timing>
-</p:sld>
-</file>
-
-<file path=ppt/slides/slide4.xml><?xml version="1.0" encoding="utf-8"?>
-<p:sld xmlns:a="http://schemas.openxmlformats.org/drawingml/2006/main" xmlns:r="http://schemas.openxmlformats.org/officeDocument/2006/relationships" xmlns:p="http://schemas.openxmlformats.org/presentationml/2006/main">
-  <p:cSld>
-    <p:spTree>
-      <p:nvGrpSpPr>
-        <p:cNvPr id="1" name=""/>
-        <p:cNvGrpSpPr/>
-        <p:nvPr/>
-      </p:nvGrpSpPr>
-      <p:grpSpPr>
-        <a:xfrm>
-          <a:off x="0" y="0"/>
-          <a:ext cx="0" cy="0"/>
-          <a:chOff x="0" y="0"/>
-          <a:chExt cx="0" cy="0"/>
-        </a:xfrm>
-      </p:grpSpPr>
-      <p:sp>
-        <p:nvSpPr>
-          <p:cNvPr id="2" name="Title 1"/>
-          <p:cNvSpPr>
-            <a:spLocks noGrp="1"/>
-          </p:cNvSpPr>
-          <p:nvPr>
-            <p:ph type="title"/>
-          </p:nvPr>
-        </p:nvSpPr>
-        <p:spPr/>
-        <p:txBody>
-          <a:bodyPr/>
-          <a:lstStyle/>
-          <a:p>
-            <a:r>
-              <a:rPr lang="en-US" dirty="0"/>
-              <a:t>Unit 2 Quiz 1</a:t>
-            </a:r>
-            <a:br>
-              <a:rPr lang="en-US" dirty="0"/>
-            </a:br>
-            <a:r>
-              <a:rPr lang="en-US" dirty="0"/>
-              <a:t>Level </a:t>
-            </a:r>
-            <a:r>
-              <a:rPr lang="en-US" dirty="0" smtClean="0"/>
-              <a:t>3</a:t>
-            </a:r>
-            <a:endParaRPr lang="en-US" dirty="0"/>
-          </a:p>
-        </p:txBody>
-      </p:sp>
-      <mc:AlternateContent xmlns:mc="http://schemas.openxmlformats.org/markup-compatibility/2006" xmlns:a14="http://schemas.microsoft.com/office/drawing/2010/main">
-        <mc:Choice Requires="a14">
-          <p:sp>
-            <p:nvSpPr>
-              <p:cNvPr id="3" name="Content Placeholder 2"/>
-              <p:cNvSpPr>
-                <a:spLocks noGrp="1"/>
-              </p:cNvSpPr>
-              <p:nvPr>
-                <p:ph idx="1"/>
-              </p:nvPr>
-            </p:nvSpPr>
-            <p:spPr/>
-            <p:txBody>
-              <a:bodyPr/>
-              <a:lstStyle/>
-              <a:p>
-                <a:pPr marL="0" indent="0">
-                  <a:buNone/>
-                </a:pPr>
-                <a:r>
-                  <a:rPr lang="en-US" sz="3000" dirty="0" smtClean="0"/>
-                  <a:t>4.) Write the equation of the line through        </a:t>
-                </a:r>
-                <a14:m>
-                  <m:oMath xmlns:m="http://schemas.openxmlformats.org/officeDocument/2006/math">
-                    <m:r>
-                      <a:rPr lang="en-US" sz="3000" b="0" i="0" smtClean="0">
-                        <a:latin typeface="Cambria Math" panose="02040503050406030204" pitchFamily="18" charset="0"/>
-                      </a:rPr>
-                      <m:t>      </m:t>
-                    </m:r>
-                    <m:d>
-                      <m:dPr>
-                        <m:ctrlPr>
-                          <a:rPr lang="en-US" sz="3000" i="1">
-                            <a:latin typeface="Cambria Math" panose="02040503050406030204" pitchFamily="18" charset="0"/>
-                          </a:rPr>
-                        </m:ctrlPr>
-                      </m:dPr>
-                      <m:e>
-                        <m:r>
-                          <a:rPr lang="en-US" sz="3000" i="1">
-                            <a:latin typeface="Cambria Math" panose="02040503050406030204" pitchFamily="18" charset="0"/>
-                          </a:rPr>
-                          <m:t>−</m:t>
-                        </m:r>
-                        <m:r>
-                          <a:rPr lang="en-US" sz="3000" b="0" i="1" smtClean="0">
-                            <a:latin typeface="Cambria Math" panose="02040503050406030204" pitchFamily="18" charset="0"/>
-                          </a:rPr>
-                          <m:t>1</m:t>
-                        </m:r>
-                        <m:r>
-                          <a:rPr lang="en-US" sz="3000" i="1">
-                            <a:latin typeface="Cambria Math" panose="02040503050406030204" pitchFamily="18" charset="0"/>
-                          </a:rPr>
-                          <m:t>, </m:t>
-                        </m:r>
-                        <m:r>
-                          <a:rPr lang="en-US" sz="3000" b="0" i="1" smtClean="0">
-                            <a:latin typeface="Cambria Math" panose="02040503050406030204" pitchFamily="18" charset="0"/>
-                          </a:rPr>
-                          <m:t>2</m:t>
-                        </m:r>
-                      </m:e>
-                    </m:d>
-                    <m:r>
-                      <a:rPr lang="en-US" sz="3000" b="0" i="1" smtClean="0">
-                        <a:latin typeface="Cambria Math" panose="02040503050406030204" pitchFamily="18" charset="0"/>
-                      </a:rPr>
-                      <m:t> </m:t>
-                    </m:r>
-                    <m:r>
-                      <a:rPr lang="en-US" sz="3000" b="0" i="1" smtClean="0">
-                        <a:latin typeface="Cambria Math" panose="02040503050406030204" pitchFamily="18" charset="0"/>
-                      </a:rPr>
-                      <m:t>𝑎𝑛𝑑</m:t>
-                    </m:r>
-                    <m:r>
-                      <a:rPr lang="en-US" sz="3000" b="0" i="1" smtClean="0">
-                        <a:latin typeface="Cambria Math" panose="02040503050406030204" pitchFamily="18" charset="0"/>
-                      </a:rPr>
-                      <m:t> (2, 8)</m:t>
-                    </m:r>
-                  </m:oMath>
-                </a14:m>
-                <a:endParaRPr lang="en-US" sz="3000" dirty="0" smtClean="0"/>
-              </a:p>
-              <a:p>
-                <a:pPr marL="0" indent="0">
-                  <a:buNone/>
-                </a:pPr>
-                <a:endParaRPr lang="en-US" dirty="0" smtClean="0"/>
-              </a:p>
-              <a:p>
-                <a:pPr marL="0" indent="0">
-                  <a:buNone/>
-                </a:pPr>
-                <a:endParaRPr lang="en-US" dirty="0"/>
-              </a:p>
-              <a:p>
-                <a:pPr marL="0" indent="0">
-                  <a:buNone/>
-                </a:pPr>
-                <a:r>
-                  <a:rPr lang="en-US" sz="3000" dirty="0"/>
-                  <a:t>5</a:t>
-                </a:r>
-                <a:r>
-                  <a:rPr lang="en-US" sz="3000" dirty="0" smtClean="0"/>
-                  <a:t>.) </a:t>
-                </a:r>
-                <a:r>
-                  <a:rPr lang="en-US" sz="3000" dirty="0"/>
-                  <a:t>Write the equation of the line through        </a:t>
-                </a:r>
-                <a14:m>
-                  <m:oMath xmlns:m="http://schemas.openxmlformats.org/officeDocument/2006/math">
-                    <m:r>
-                      <a:rPr lang="en-US" sz="3000">
-                        <a:latin typeface="Cambria Math" panose="02040503050406030204" pitchFamily="18" charset="0"/>
-                      </a:rPr>
-                      <m:t>      </m:t>
-                    </m:r>
-                    <m:d>
-                      <m:dPr>
-                        <m:ctrlPr>
-                          <a:rPr lang="en-US" sz="3000" i="1">
-                            <a:latin typeface="Cambria Math" panose="02040503050406030204" pitchFamily="18" charset="0"/>
-                          </a:rPr>
-                        </m:ctrlPr>
-                      </m:dPr>
-                      <m:e>
-                        <m:r>
-                          <a:rPr lang="en-US" sz="3000" b="0" i="1" smtClean="0">
-                            <a:latin typeface="Cambria Math" panose="02040503050406030204" pitchFamily="18" charset="0"/>
-                          </a:rPr>
-                          <m:t>4</m:t>
-                        </m:r>
-                        <m:r>
-                          <a:rPr lang="en-US" sz="3000" i="1">
-                            <a:latin typeface="Cambria Math" panose="02040503050406030204" pitchFamily="18" charset="0"/>
-                          </a:rPr>
-                          <m:t>, </m:t>
-                        </m:r>
-                        <m:r>
-                          <a:rPr lang="en-US" sz="3000" b="0" i="1" smtClean="0">
-                            <a:latin typeface="Cambria Math" panose="02040503050406030204" pitchFamily="18" charset="0"/>
-                          </a:rPr>
-                          <m:t>−6</m:t>
-                        </m:r>
-                      </m:e>
-                    </m:d>
-                    <m:r>
-                      <a:rPr lang="en-US" sz="3000" i="1">
-                        <a:latin typeface="Cambria Math" panose="02040503050406030204" pitchFamily="18" charset="0"/>
-                      </a:rPr>
-                      <m:t> </m:t>
-                    </m:r>
-                    <m:r>
-                      <a:rPr lang="en-US" sz="3000" i="1">
-                        <a:latin typeface="Cambria Math" panose="02040503050406030204" pitchFamily="18" charset="0"/>
-                      </a:rPr>
-                      <m:t>𝑎𝑛𝑑</m:t>
-                    </m:r>
-                    <m:r>
-                      <a:rPr lang="en-US" sz="3000" i="1">
-                        <a:latin typeface="Cambria Math" panose="02040503050406030204" pitchFamily="18" charset="0"/>
-                      </a:rPr>
-                      <m:t> </m:t>
-                    </m:r>
-                    <m:r>
-                      <a:rPr lang="en-US" sz="3000" b="0" i="1" smtClean="0">
-                        <a:latin typeface="Cambria Math" panose="02040503050406030204" pitchFamily="18" charset="0"/>
-                      </a:rPr>
-                      <m:t>𝑝𝑎𝑟𝑎𝑙𝑙𝑒𝑙</m:t>
-                    </m:r>
-                    <m:r>
-                      <a:rPr lang="en-US" sz="3000" b="0" i="1" smtClean="0">
-                        <a:latin typeface="Cambria Math" panose="02040503050406030204" pitchFamily="18" charset="0"/>
-                      </a:rPr>
-                      <m:t> </m:t>
-                    </m:r>
-                    <m:r>
-                      <a:rPr lang="en-US" sz="3000" b="0" i="1" smtClean="0">
-                        <a:latin typeface="Cambria Math" panose="02040503050406030204" pitchFamily="18" charset="0"/>
-                      </a:rPr>
-                      <m:t>𝑡𝑜</m:t>
-                    </m:r>
-                    <m:r>
-                      <a:rPr lang="en-US" sz="3000" b="0" i="1" smtClean="0">
-                        <a:latin typeface="Cambria Math" panose="02040503050406030204" pitchFamily="18" charset="0"/>
-                      </a:rPr>
-                      <m:t> </m:t>
-                    </m:r>
-                    <m:r>
-                      <a:rPr lang="en-US" sz="3000" b="0" i="1" smtClean="0">
-                        <a:latin typeface="Cambria Math" panose="02040503050406030204" pitchFamily="18" charset="0"/>
-                      </a:rPr>
-                      <m:t>𝑡h𝑒</m:t>
-                    </m:r>
-                    <m:r>
-                      <a:rPr lang="en-US" sz="3000" b="0" i="1" smtClean="0">
-                        <a:latin typeface="Cambria Math" panose="02040503050406030204" pitchFamily="18" charset="0"/>
-                      </a:rPr>
-                      <m:t> </m:t>
-                    </m:r>
-                    <m:r>
-                      <a:rPr lang="en-US" sz="3000" b="0" i="1" smtClean="0">
-                        <a:latin typeface="Cambria Math" panose="02040503050406030204" pitchFamily="18" charset="0"/>
-                      </a:rPr>
-                      <m:t>𝑙𝑖𝑛𝑒</m:t>
-                    </m:r>
-                    <m:r>
-                      <a:rPr lang="en-US" sz="3000" b="0" i="1" smtClean="0">
-                        <a:latin typeface="Cambria Math" panose="02040503050406030204" pitchFamily="18" charset="0"/>
-                      </a:rPr>
-                      <m:t> </m:t>
-                    </m:r>
-                    <m:r>
-                      <a:rPr lang="en-US" sz="3000" b="0" i="1" smtClean="0">
-                        <a:latin typeface="Cambria Math" panose="02040503050406030204" pitchFamily="18" charset="0"/>
-                      </a:rPr>
-                      <m:t>𝑦</m:t>
-                    </m:r>
-                    <m:r>
-                      <a:rPr lang="en-US" sz="3000" b="0" i="1" smtClean="0">
-                        <a:latin typeface="Cambria Math" panose="02040503050406030204" pitchFamily="18" charset="0"/>
-                      </a:rPr>
-                      <m:t>=−3</m:t>
-                    </m:r>
-                    <m:r>
-                      <a:rPr lang="en-US" sz="3000" b="0" i="1" smtClean="0">
-                        <a:latin typeface="Cambria Math" panose="02040503050406030204" pitchFamily="18" charset="0"/>
-                      </a:rPr>
-                      <m:t>𝑥</m:t>
-                    </m:r>
-                    <m:r>
-                      <a:rPr lang="en-US" sz="3000" b="0" i="1" smtClean="0">
-                        <a:latin typeface="Cambria Math" panose="02040503050406030204" pitchFamily="18" charset="0"/>
-                      </a:rPr>
-                      <m:t>+11</m:t>
-                    </m:r>
-                  </m:oMath>
-                </a14:m>
-                <a:endParaRPr lang="en-US" dirty="0"/>
-              </a:p>
-            </p:txBody>
-          </p:sp>
-        </mc:Choice>
-        <mc:Fallback xmlns="">
-          <p:sp>
-            <p:nvSpPr>
-              <p:cNvPr id="3" name="Content Placeholder 2"/>
-              <p:cNvSpPr>
-                <a:spLocks noGrp="1" noRot="1" noChangeAspect="1" noMove="1" noResize="1" noEditPoints="1" noAdjustHandles="1" noChangeArrowheads="1" noChangeShapeType="1" noTextEdit="1"/>
-              </p:cNvSpPr>
-              <p:nvPr>
-                <p:ph idx="1"/>
-              </p:nvPr>
-            </p:nvSpPr>
-            <p:spPr>
-              <a:blipFill rotWithShape="0">
-                <a:blip r:embed="rId2"/>
-                <a:stretch>
-                  <a:fillRect l="-1460" t="-2891"/>
-                </a:stretch>
-              </a:blipFill>
-            </p:spPr>
-            <p:txBody>
-              <a:bodyPr/>
-              <a:lstStyle/>
-              <a:p>
-                <a:r>
-                  <a:rPr lang="en-US">
-                    <a:noFill/>
-                  </a:rPr>
-                  <a:t> </a:t>
-                </a:r>
-              </a:p>
-            </p:txBody>
-          </p:sp>
-        </mc:Fallback>
-      </mc:AlternateContent>
-    </p:spTree>
-    <p:extLst>
-      <p:ext uri="{BB962C8B-B14F-4D97-AF65-F5344CB8AC3E}">
-        <p14:creationId xmlns:p14="http://schemas.microsoft.com/office/powerpoint/2010/main" val="2547385523"/>
-      </p:ext>
-    </p:extLst>
-  </p:cSld>
-  <p:clrMapOvr>
-    <a:masterClrMapping/>
-  </p:clrMapOvr>
-  <p:timing>
-    <p:tnLst>
-      <p:par>
-        <p:cTn id="1" dur="indefinite" restart="never" nodeType="tmRoot"/>
-      </p:par>
-    </p:tnLst>
-  </p:timing>
-</p:sld>
-</file>
-
-<file path=ppt/slides/slide5.xml><?xml version="1.0" encoding="utf-8"?>
-<p:sld xmlns:a="http://schemas.openxmlformats.org/drawingml/2006/main" xmlns:r="http://schemas.openxmlformats.org/officeDocument/2006/relationships" xmlns:p="http://schemas.openxmlformats.org/presentationml/2006/main">
-  <p:cSld>
-    <p:spTree>
-      <p:nvGrpSpPr>
-        <p:cNvPr id="1" name=""/>
-        <p:cNvGrpSpPr/>
-        <p:nvPr/>
-      </p:nvGrpSpPr>
-      <p:grpSpPr>
-        <a:xfrm>
-          <a:off x="0" y="0"/>
-          <a:ext cx="0" cy="0"/>
-          <a:chOff x="0" y="0"/>
-          <a:chExt cx="0" cy="0"/>
-        </a:xfrm>
-      </p:grpSpPr>
-      <p:sp>
-        <p:nvSpPr>
-          <p:cNvPr id="2" name="Title 1"/>
-          <p:cNvSpPr>
-            <a:spLocks noGrp="1"/>
-          </p:cNvSpPr>
-          <p:nvPr>
-            <p:ph type="title"/>
-          </p:nvPr>
-        </p:nvSpPr>
-        <p:spPr/>
-        <p:txBody>
-          <a:bodyPr/>
-          <a:lstStyle/>
-          <a:p>
-            <a:r>
-              <a:rPr lang="en-US" dirty="0"/>
-              <a:t>Unit 2 Quiz 1</a:t>
-            </a:r>
-            <a:br>
-              <a:rPr lang="en-US" dirty="0"/>
-            </a:br>
-            <a:r>
-              <a:rPr lang="en-US" dirty="0"/>
-              <a:t>Level </a:t>
-            </a:r>
-            <a:r>
-              <a:rPr lang="en-US" dirty="0" smtClean="0"/>
-              <a:t>4</a:t>
-            </a:r>
-            <a:endParaRPr lang="en-US" dirty="0"/>
-          </a:p>
-        </p:txBody>
-      </p:sp>
-      <p:sp>
-        <p:nvSpPr>
-          <p:cNvPr id="3" name="Content Placeholder 2"/>
-          <p:cNvSpPr>
-            <a:spLocks noGrp="1"/>
-          </p:cNvSpPr>
-          <p:nvPr>
-            <p:ph idx="1"/>
-          </p:nvPr>
-        </p:nvSpPr>
-        <p:spPr>
-          <a:xfrm>
-            <a:off x="1371600" y="2285999"/>
-            <a:ext cx="9601200" cy="4357171"/>
-          </a:xfrm>
-        </p:spPr>
-        <p:txBody>
-          <a:bodyPr>
-            <a:normAutofit/>
-          </a:bodyPr>
-          <a:lstStyle/>
-          <a:p>
-            <a:pPr marL="0" indent="0">
-              <a:buNone/>
-            </a:pPr>
-            <a:r>
-              <a:rPr lang="en-US" sz="3000" dirty="0"/>
-              <a:t>At a school </a:t>
-            </a:r>
-            <a:r>
-              <a:rPr lang="en-US" sz="3000" dirty="0" smtClean="0"/>
-              <a:t>concert, student tickets </a:t>
-            </a:r>
-            <a:r>
-              <a:rPr lang="en-US" sz="3000" dirty="0"/>
-              <a:t>cost $3 each and adult tickets cost $7 each. The total amount of money earned from ticket sales </a:t>
-            </a:r>
-            <a:r>
-              <a:rPr lang="en-US" sz="3000" dirty="0" smtClean="0"/>
-              <a:t>the first night was </a:t>
-            </a:r>
-            <a:r>
-              <a:rPr lang="en-US" sz="3000" dirty="0"/>
-              <a:t>$210</a:t>
-            </a:r>
-            <a:r>
-              <a:rPr lang="en-US" sz="3000" dirty="0" smtClean="0"/>
-              <a:t>. </a:t>
-            </a:r>
-          </a:p>
-          <a:p>
-            <a:pPr marL="0" indent="0">
-              <a:buNone/>
-            </a:pPr>
-            <a:r>
-              <a:rPr lang="en-US" sz="3000" dirty="0" smtClean="0"/>
-              <a:t> </a:t>
-            </a:r>
-          </a:p>
-          <a:p>
-            <a:pPr marL="0" indent="0">
-              <a:buNone/>
-            </a:pPr>
-            <a:r>
-              <a:rPr lang="en-US" sz="3000" dirty="0" smtClean="0"/>
-              <a:t>6a.) Write an equation that represents this situation</a:t>
-            </a:r>
-            <a:r>
-              <a:rPr lang="en-US" dirty="0" smtClean="0"/>
-              <a:t>.</a:t>
-            </a:r>
-          </a:p>
-          <a:p>
-            <a:pPr marL="0" indent="0">
-              <a:buNone/>
-            </a:pPr>
-            <a:r>
-              <a:rPr lang="en-US" sz="3000" dirty="0" smtClean="0"/>
-              <a:t>6b.) If you know 12 adults were in attendance, </a:t>
-            </a:r>
-            <a:r>
-              <a:rPr lang="en-US" sz="3000" dirty="0"/>
-              <a:t/>
-            </a:r>
-            <a:br>
-              <a:rPr lang="en-US" sz="3000" dirty="0"/>
-            </a:br>
-            <a:r>
-              <a:rPr lang="en-US" sz="3000" dirty="0" smtClean="0"/>
-              <a:t>how many students went? Show your work from 6a.)</a:t>
-            </a:r>
-          </a:p>
-          <a:p>
-            <a:pPr marL="0" indent="0">
-              <a:buNone/>
-            </a:pPr>
-            <a:endParaRPr lang="en-US" sz="3000" dirty="0" smtClean="0"/>
-          </a:p>
-          <a:p>
-            <a:pPr marL="0" indent="0">
-              <a:buNone/>
-            </a:pPr>
-            <a:endParaRPr lang="en-US" dirty="0" smtClean="0"/>
-          </a:p>
-        </p:txBody>
-      </p:sp>
-    </p:spTree>
-    <p:extLst>
-      <p:ext uri="{BB962C8B-B14F-4D97-AF65-F5344CB8AC3E}">
-        <p14:creationId xmlns:p14="http://schemas.microsoft.com/office/powerpoint/2010/main" val="1642753824"/>
-      </p:ext>
-    </p:extLst>
-  </p:cSld>
-  <p:clrMapOvr>
-    <a:masterClrMapping/>
-  </p:clrMapOvr>
-  <p:timing>
-    <p:tnLst>
-      <p:par>
-        <p:cTn id="1" dur="indefinite" restart="never" nodeType="tmRoot"/>
-      </p:par>
-    </p:tnLst>
-  </p:timing>
-</p:sld>
-</file>
-
-<file path=ppt/slides/slide6.xml><?xml version="1.0" encoding="utf-8"?>
-<p:sld xmlns:a="http://schemas.openxmlformats.org/drawingml/2006/main" xmlns:r="http://schemas.openxmlformats.org/officeDocument/2006/relationships" xmlns:p="http://schemas.openxmlformats.org/presentationml/2006/main">
-  <p:cSld>
-    <p:spTree>
-      <p:nvGrpSpPr>
-        <p:cNvPr id="1" name=""/>
-        <p:cNvGrpSpPr/>
-        <p:nvPr/>
-      </p:nvGrpSpPr>
-      <p:grpSpPr>
-        <a:xfrm>
-          <a:off x="0" y="0"/>
-          <a:ext cx="0" cy="0"/>
-          <a:chOff x="0" y="0"/>
-          <a:chExt cx="0" cy="0"/>
-        </a:xfrm>
-      </p:grpSpPr>
-      <p:sp>
-        <p:nvSpPr>
-          <p:cNvPr id="2" name="Title 1"/>
-          <p:cNvSpPr>
-            <a:spLocks noGrp="1"/>
-          </p:cNvSpPr>
-          <p:nvPr>
-            <p:ph type="title"/>
-          </p:nvPr>
-        </p:nvSpPr>
-        <p:spPr/>
-        <p:txBody>
-          <a:bodyPr/>
-          <a:lstStyle/>
-          <a:p>
-            <a:r>
-              <a:rPr lang="en-US" dirty="0" smtClean="0"/>
-              <a:t>From Last Time… </a:t>
-            </a:r>
-            <a:endParaRPr lang="en-US" dirty="0"/>
-          </a:p>
-        </p:txBody>
-      </p:sp>
-      <p:sp>
-        <p:nvSpPr>
-          <p:cNvPr id="3" name="Content Placeholder 2"/>
-          <p:cNvSpPr>
-            <a:spLocks noGrp="1"/>
-          </p:cNvSpPr>
-          <p:nvPr>
-            <p:ph idx="1"/>
-          </p:nvPr>
-        </p:nvSpPr>
-        <p:spPr>
-          <a:xfrm>
-            <a:off x="1371600" y="1753849"/>
-            <a:ext cx="9601200" cy="4961744"/>
-          </a:xfrm>
-        </p:spPr>
-        <p:txBody>
-          <a:bodyPr>
-            <a:normAutofit/>
-          </a:bodyPr>
-          <a:lstStyle/>
-          <a:p>
-            <a:pPr marL="0" indent="0">
-              <a:buNone/>
-            </a:pPr>
-            <a:r>
-              <a:rPr lang="en-US" sz="3000" dirty="0" smtClean="0"/>
-              <a:t>New Material (Section 2.5)</a:t>
-            </a:r>
-          </a:p>
-          <a:p>
-            <a:pPr marL="0" indent="0">
-              <a:buNone/>
-            </a:pPr>
-            <a:r>
-              <a:rPr lang="en-US" sz="3000" dirty="0" smtClean="0"/>
-              <a:t>Page 96 #</a:t>
-            </a:r>
-            <a:r>
-              <a:rPr lang="en-US" sz="3200" dirty="0" smtClean="0"/>
-              <a:t>1, 7, 9, 13, 15-17, 27</a:t>
-            </a:r>
-          </a:p>
-          <a:p>
-            <a:pPr marL="0" indent="0">
-              <a:buNone/>
-            </a:pPr>
-            <a:endParaRPr lang="en-US" sz="3000" dirty="0" smtClean="0"/>
-          </a:p>
-          <a:p>
-            <a:pPr marL="0" indent="0">
-              <a:buNone/>
-            </a:pPr>
-            <a:r>
-              <a:rPr lang="en-US" sz="3000" dirty="0"/>
-              <a:t>New Material (Section </a:t>
-            </a:r>
-            <a:r>
-              <a:rPr lang="en-US" sz="3000" dirty="0" smtClean="0"/>
-              <a:t>2.6)</a:t>
-            </a:r>
-            <a:endParaRPr lang="en-US" sz="3000" dirty="0"/>
-          </a:p>
-          <a:p>
-            <a:pPr marL="0" indent="0">
-              <a:buNone/>
-            </a:pPr>
-            <a:r>
-              <a:rPr lang="en-US" sz="3000" dirty="0" smtClean="0"/>
-              <a:t>Page 103 #5, 6, 13, 19-21, 55</a:t>
-            </a:r>
-          </a:p>
-          <a:p>
-            <a:pPr marL="0" indent="0">
-              <a:buNone/>
-            </a:pPr>
-            <a:endParaRPr lang="en-US" sz="3000" dirty="0" smtClean="0"/>
-          </a:p>
-        </p:txBody>
-      </p:sp>
-    </p:spTree>
-    <p:extLst>
-      <p:ext uri="{BB962C8B-B14F-4D97-AF65-F5344CB8AC3E}">
-        <p14:creationId xmlns:p14="http://schemas.microsoft.com/office/powerpoint/2010/main" val="3650003047"/>
-      </p:ext>
-    </p:extLst>
-  </p:cSld>
-  <p:clrMapOvr>
-    <a:masterClrMapping/>
-  </p:clrMapOvr>
-  <p:timing>
-    <p:tnLst>
-      <p:par>
-        <p:cTn id="1" dur="indefinite" restart="never" nodeType="tmRoot"/>
-      </p:par>
-    </p:tnLst>
-  </p:timing>
-</p:sld>
-</file>
-
-<file path=ppt/slides/slide7.xml><?xml version="1.0" encoding="utf-8"?>
-<p:sld xmlns:a="http://schemas.openxmlformats.org/drawingml/2006/main" xmlns:r="http://schemas.openxmlformats.org/officeDocument/2006/relationships" xmlns:p="http://schemas.openxmlformats.org/presentationml/2006/main">
-  <p:cSld>
-    <p:spTree>
-      <p:nvGrpSpPr>
-        <p:cNvPr id="1" name=""/>
-        <p:cNvGrpSpPr/>
-        <p:nvPr/>
-      </p:nvGrpSpPr>
-      <p:grpSpPr>
-        <a:xfrm>
-          <a:off x="0" y="0"/>
-          <a:ext cx="0" cy="0"/>
-          <a:chOff x="0" y="0"/>
-          <a:chExt cx="0" cy="0"/>
-        </a:xfrm>
-      </p:grpSpPr>
-      <p:sp>
-        <p:nvSpPr>
-          <p:cNvPr id="2" name="Title 1"/>
-          <p:cNvSpPr>
-            <a:spLocks noGrp="1"/>
-          </p:cNvSpPr>
-          <p:nvPr>
-            <p:ph type="title"/>
-          </p:nvPr>
-        </p:nvSpPr>
-        <p:spPr/>
-        <p:txBody>
-          <a:bodyPr>
-            <a:normAutofit/>
-          </a:bodyPr>
-          <a:lstStyle/>
-          <a:p>
-            <a:r>
-              <a:rPr lang="en-US" dirty="0"/>
-              <a:t>Chapter </a:t>
-            </a:r>
-            <a:r>
-              <a:rPr lang="en-US" dirty="0" smtClean="0"/>
-              <a:t>2 </a:t>
-            </a:r>
-            <a:r>
-              <a:rPr lang="en-US" dirty="0"/>
-              <a:t>Section 7</a:t>
-            </a:r>
-            <a:br>
-              <a:rPr lang="en-US" dirty="0"/>
-            </a:br>
-            <a:r>
-              <a:rPr lang="en-US" dirty="0" smtClean="0"/>
-              <a:t>Absolute Value Functions and Graphs</a:t>
-            </a:r>
-            <a:endParaRPr lang="en-US" dirty="0"/>
-          </a:p>
-        </p:txBody>
-      </p:sp>
-      <p:sp>
-        <p:nvSpPr>
-          <p:cNvPr id="3" name="Content Placeholder 2"/>
-          <p:cNvSpPr>
-            <a:spLocks noGrp="1"/>
-          </p:cNvSpPr>
-          <p:nvPr>
-            <p:ph idx="1"/>
-          </p:nvPr>
-        </p:nvSpPr>
-        <p:spPr>
-          <a:xfrm>
-            <a:off x="1371600" y="2286000"/>
-            <a:ext cx="9601200" cy="921896"/>
-          </a:xfrm>
-        </p:spPr>
-        <p:txBody>
-          <a:bodyPr>
-            <a:normAutofit/>
-          </a:bodyPr>
-          <a:lstStyle/>
-          <a:p>
-            <a:pPr marL="0" indent="0">
-              <a:buNone/>
-            </a:pPr>
-            <a:r>
-              <a:rPr lang="en-US" sz="3000" b="1" dirty="0" smtClean="0"/>
-              <a:t>Objective</a:t>
-            </a:r>
-            <a:r>
-              <a:rPr lang="en-US" sz="3000" dirty="0" smtClean="0"/>
-              <a:t>: To graph absolute value functions</a:t>
-            </a:r>
-            <a:endParaRPr lang="en-US" sz="3200" dirty="0"/>
-          </a:p>
-        </p:txBody>
-      </p:sp>
-    </p:spTree>
-    <p:extLst>
-      <p:ext uri="{BB962C8B-B14F-4D97-AF65-F5344CB8AC3E}">
-        <p14:creationId xmlns:p14="http://schemas.microsoft.com/office/powerpoint/2010/main" val="2774381841"/>
-      </p:ext>
-    </p:extLst>
-  </p:cSld>
-  <p:clrMapOvr>
-    <a:masterClrMapping/>
-  </p:clrMapOvr>
-  <p:timing>
-    <p:tnLst>
-      <p:par>
-        <p:cTn id="1" dur="indefinite" restart="never" nodeType="tmRoot"/>
-      </p:par>
-    </p:tnLst>
-  </p:timing>
-</p:sld>
-</file>
-
-<file path=ppt/slides/slide8.xml><?xml version="1.0" encoding="utf-8"?>
-<p:sld xmlns:a="http://schemas.openxmlformats.org/drawingml/2006/main" xmlns:r="http://schemas.openxmlformats.org/officeDocument/2006/relationships" xmlns:p="http://schemas.openxmlformats.org/presentationml/2006/main">
-  <p:cSld>
-    <p:spTree>
-      <p:nvGrpSpPr>
-        <p:cNvPr id="1" name=""/>
-        <p:cNvGrpSpPr/>
-        <p:nvPr/>
-      </p:nvGrpSpPr>
-      <p:grpSpPr>
-        <a:xfrm>
-          <a:off x="0" y="0"/>
-          <a:ext cx="0" cy="0"/>
-          <a:chOff x="0" y="0"/>
-          <a:chExt cx="0" cy="0"/>
-        </a:xfrm>
-      </p:grpSpPr>
-      <p:sp>
-        <p:nvSpPr>
-          <p:cNvPr id="3" name="Content Placeholder 2"/>
-          <p:cNvSpPr>
-            <a:spLocks noGrp="1"/>
-          </p:cNvSpPr>
-          <p:nvPr>
-            <p:ph idx="1"/>
-          </p:nvPr>
-        </p:nvSpPr>
-        <p:spPr>
-          <a:xfrm>
-            <a:off x="1371600" y="2188564"/>
-            <a:ext cx="9601200" cy="4454606"/>
-          </a:xfrm>
-        </p:spPr>
-        <p:txBody>
-          <a:bodyPr>
-            <a:normAutofit/>
-          </a:bodyPr>
-          <a:lstStyle/>
-          <a:p>
-            <a:r>
-              <a:rPr lang="en-US" sz="3200" b="1" dirty="0"/>
-              <a:t>Parent Graph</a:t>
-            </a:r>
-            <a:r>
-              <a:rPr lang="en-US" sz="3200" dirty="0"/>
-              <a:t> – graph simplest form in a set of functions that form a “family</a:t>
-            </a:r>
-            <a:r>
-              <a:rPr lang="en-US" sz="3200" dirty="0" smtClean="0"/>
-              <a:t>”</a:t>
-            </a:r>
-            <a:r>
-              <a:rPr lang="en-US" sz="3200" dirty="0"/>
-              <a:t> </a:t>
-            </a:r>
-            <a:endParaRPr lang="en-US" sz="3200" dirty="0" smtClean="0"/>
-          </a:p>
-          <a:p>
-            <a:pPr marL="0" indent="0">
-              <a:buNone/>
-            </a:pPr>
-            <a:endParaRPr lang="en-US" sz="3200" dirty="0"/>
-          </a:p>
-          <a:p>
-            <a:r>
-              <a:rPr lang="en-US" sz="3200" b="1" dirty="0"/>
-              <a:t>Transformation</a:t>
-            </a:r>
-            <a:r>
-              <a:rPr lang="en-US" sz="3200" dirty="0"/>
-              <a:t>—each function in the “family” that is related to the </a:t>
-            </a:r>
-            <a:r>
-              <a:rPr lang="en-US" sz="3200" dirty="0" smtClean="0"/>
-              <a:t>parent</a:t>
-            </a:r>
-            <a:r>
-              <a:rPr lang="en-US" sz="3200" dirty="0"/>
-              <a:t> </a:t>
-            </a:r>
-            <a:r>
-              <a:rPr lang="en-US" sz="3200" dirty="0" smtClean="0"/>
-              <a:t>(like the kid to the parent)</a:t>
-            </a:r>
-          </a:p>
-        </p:txBody>
-      </p:sp>
-      <p:sp>
-        <p:nvSpPr>
-          <p:cNvPr id="4" name="Title 1"/>
-          <p:cNvSpPr txBox="1">
-            <a:spLocks/>
-          </p:cNvSpPr>
-          <p:nvPr/>
-        </p:nvSpPr>
-        <p:spPr>
-          <a:xfrm>
-            <a:off x="934715" y="535899"/>
-            <a:ext cx="9601200" cy="1485900"/>
-          </a:xfrm>
-          <a:prstGeom prst="rect">
-            <a:avLst/>
-          </a:prstGeom>
-        </p:spPr>
-        <p:txBody>
-          <a:bodyPr vert="horz" lIns="91440" tIns="45720" rIns="91440" bIns="45720" rtlCol="0" anchor="t">
-            <a:normAutofit/>
-          </a:bodyPr>
-          <a:lstStyle>
-            <a:lvl1pPr algn="l" defTabSz="914400" rtl="0" eaLnBrk="1" latinLnBrk="0" hangingPunct="1">
-              <a:lnSpc>
-                <a:spcPct val="89000"/>
-              </a:lnSpc>
-              <a:spcBef>
-                <a:spcPct val="0"/>
-              </a:spcBef>
-              <a:buNone/>
-              <a:defRPr sz="4400" kern="1200" baseline="0">
-                <a:solidFill>
-                  <a:schemeClr val="tx2"/>
-                </a:solidFill>
-                <a:latin typeface="+mj-lt"/>
-                <a:ea typeface="+mj-ea"/>
-                <a:cs typeface="+mj-cs"/>
-              </a:defRPr>
-            </a:lvl1pPr>
-          </a:lstStyle>
-          <a:p>
-            <a:r>
-              <a:rPr lang="en-US" dirty="0" smtClean="0"/>
-              <a:t>Chapter 2 Section 6 Review</a:t>
-            </a:r>
-            <a:br>
-              <a:rPr lang="en-US" dirty="0" smtClean="0"/>
-            </a:br>
-            <a:r>
-              <a:rPr lang="en-US" dirty="0" smtClean="0"/>
-              <a:t>Remember… </a:t>
-            </a:r>
-            <a:endParaRPr lang="en-US" dirty="0"/>
-          </a:p>
-        </p:txBody>
-      </p:sp>
-    </p:spTree>
-    <p:extLst>
-      <p:ext uri="{BB962C8B-B14F-4D97-AF65-F5344CB8AC3E}">
-        <p14:creationId xmlns:p14="http://schemas.microsoft.com/office/powerpoint/2010/main" val="2311600307"/>
-      </p:ext>
-    </p:extLst>
-  </p:cSld>
-  <p:clrMapOvr>
-    <a:masterClrMapping/>
-  </p:clrMapOvr>
-  <p:timing>
-    <p:tnLst>
-      <p:par>
-        <p:cTn id="1" dur="indefinite" restart="never" nodeType="tmRoot"/>
-      </p:par>
-    </p:tnLst>
-  </p:timing>
-</p:sld>
-</file>
-
-<file path=ppt/slides/slide9.xml><?xml version="1.0" encoding="utf-8"?>
-<p:sld xmlns:a="http://schemas.openxmlformats.org/drawingml/2006/main" xmlns:r="http://schemas.openxmlformats.org/officeDocument/2006/relationships" xmlns:p="http://schemas.openxmlformats.org/presentationml/2006/main">
-  <p:cSld>
-    <p:spTree>
-      <p:nvGrpSpPr>
-        <p:cNvPr id="1" name=""/>
-        <p:cNvGrpSpPr/>
-        <p:nvPr/>
-      </p:nvGrpSpPr>
-      <p:grpSpPr>
-        <a:xfrm>
-          <a:off x="0" y="0"/>
-          <a:ext cx="0" cy="0"/>
-          <a:chOff x="0" y="0"/>
-          <a:chExt cx="0" cy="0"/>
-        </a:xfrm>
-      </p:grpSpPr>
-      <p:sp>
-        <p:nvSpPr>
-          <p:cNvPr id="2" name="Title 1"/>
-          <p:cNvSpPr>
-            <a:spLocks noGrp="1"/>
-          </p:cNvSpPr>
-          <p:nvPr>
-            <p:ph type="title"/>
-          </p:nvPr>
-        </p:nvSpPr>
-        <p:spPr>
-          <a:xfrm>
-            <a:off x="1371599" y="685800"/>
-            <a:ext cx="10196111" cy="1076899"/>
-          </a:xfrm>
-        </p:spPr>
-        <p:txBody>
-          <a:bodyPr/>
-          <a:lstStyle/>
-          <a:p>
-            <a:r>
-              <a:rPr lang="en-US" dirty="0" smtClean="0"/>
-              <a:t>Types of Transformations</a:t>
-            </a:r>
-            <a:endParaRPr lang="en-US" dirty="0"/>
-          </a:p>
-        </p:txBody>
-      </p:sp>
-      <mc:AlternateContent xmlns:mc="http://schemas.openxmlformats.org/markup-compatibility/2006" xmlns:a14="http://schemas.microsoft.com/office/drawing/2010/main">
-        <mc:Choice Requires="a14">
-          <p:sp>
-            <p:nvSpPr>
-              <p:cNvPr id="3" name="Content Placeholder 2"/>
-              <p:cNvSpPr>
-                <a:spLocks noGrp="1"/>
-              </p:cNvSpPr>
-              <p:nvPr>
-                <p:ph idx="1"/>
-              </p:nvPr>
-            </p:nvSpPr>
-            <p:spPr>
-              <a:xfrm>
-                <a:off x="1371599" y="1762699"/>
-                <a:ext cx="10635521" cy="4880471"/>
-              </a:xfrm>
-            </p:spPr>
-            <p:txBody>
-              <a:bodyPr>
-                <a:normAutofit/>
-              </a:bodyPr>
-              <a:lstStyle/>
-              <a:p>
-                <a14:m>
-                  <m:oMath xmlns:m="http://schemas.openxmlformats.org/officeDocument/2006/math">
-                    <m:r>
-                      <a:rPr lang="en-US" sz="3200" i="1" smtClean="0">
-                        <a:latin typeface="Cambria Math" panose="02040503050406030204" pitchFamily="18" charset="0"/>
-                      </a:rPr>
-                      <m:t>𝑓</m:t>
-                    </m:r>
-                    <m:d>
-                      <m:dPr>
-                        <m:ctrlPr>
-                          <a:rPr lang="en-US" sz="3200" i="1">
-                            <a:latin typeface="Cambria Math" panose="02040503050406030204" pitchFamily="18" charset="0"/>
-                          </a:rPr>
-                        </m:ctrlPr>
-                      </m:dPr>
-                      <m:e>
-                        <m:r>
-                          <a:rPr lang="en-US" sz="3200" i="1">
-                            <a:latin typeface="Cambria Math" panose="02040503050406030204" pitchFamily="18" charset="0"/>
-                          </a:rPr>
-                          <m:t>𝑥</m:t>
-                        </m:r>
-                      </m:e>
-                    </m:d>
-                    <m:r>
-                      <a:rPr lang="en-US" sz="3200" i="1">
-                        <a:latin typeface="Cambria Math" panose="02040503050406030204" pitchFamily="18" charset="0"/>
-                      </a:rPr>
-                      <m:t> </m:t>
-                    </m:r>
-                    <m:r>
-                      <a:rPr lang="en-US" sz="3200" i="1">
-                        <a:latin typeface="Cambria Math" panose="02040503050406030204" pitchFamily="18" charset="0"/>
-                      </a:rPr>
-                      <m:t>𝑖𝑠</m:t>
-                    </m:r>
-                    <m:r>
-                      <a:rPr lang="en-US" sz="3200" i="1">
-                        <a:latin typeface="Cambria Math" panose="02040503050406030204" pitchFamily="18" charset="0"/>
-                      </a:rPr>
-                      <m:t> </m:t>
-                    </m:r>
-                    <m:r>
-                      <a:rPr lang="en-US" sz="3200" i="1">
-                        <a:latin typeface="Cambria Math" panose="02040503050406030204" pitchFamily="18" charset="0"/>
-                      </a:rPr>
-                      <m:t>𝑡h𝑒</m:t>
-                    </m:r>
-                    <m:r>
-                      <a:rPr lang="en-US" sz="3200" i="1">
-                        <a:latin typeface="Cambria Math" panose="02040503050406030204" pitchFamily="18" charset="0"/>
-                      </a:rPr>
-                      <m:t> </m:t>
-                    </m:r>
-                    <m:r>
-                      <a:rPr lang="en-US" sz="3200" i="1">
-                        <a:latin typeface="Cambria Math" panose="02040503050406030204" pitchFamily="18" charset="0"/>
-                      </a:rPr>
-                      <m:t>𝑝𝑎𝑟𝑒𝑛𝑡</m:t>
-                    </m:r>
-                    <m:r>
-                      <a:rPr lang="en-US" sz="3200" i="1">
-                        <a:latin typeface="Cambria Math" panose="02040503050406030204" pitchFamily="18" charset="0"/>
-                      </a:rPr>
-                      <m:t> </m:t>
-                    </m:r>
-                    <m:r>
-                      <a:rPr lang="en-US" sz="3200" i="1">
-                        <a:latin typeface="Cambria Math" panose="02040503050406030204" pitchFamily="18" charset="0"/>
-                      </a:rPr>
-                      <m:t>𝑔𝑟𝑎𝑝h</m:t>
-                    </m:r>
-                    <m:r>
-                      <a:rPr lang="en-US" sz="3200" i="1">
-                        <a:latin typeface="Cambria Math" panose="02040503050406030204" pitchFamily="18" charset="0"/>
-                      </a:rPr>
-                      <m:t>           (</m:t>
-                    </m:r>
-                    <m:r>
-                      <a:rPr lang="en-US" sz="3200" b="0" i="1" smtClean="0">
-                        <a:latin typeface="Cambria Math" panose="02040503050406030204" pitchFamily="18" charset="0"/>
-                      </a:rPr>
-                      <m:t>𝑡h𝑒</m:t>
-                    </m:r>
-                    <m:r>
-                      <a:rPr lang="en-US" sz="3200" b="0" i="1" smtClean="0">
-                        <a:latin typeface="Cambria Math" panose="02040503050406030204" pitchFamily="18" charset="0"/>
-                      </a:rPr>
-                      <m:t> </m:t>
-                    </m:r>
-                    <m:r>
-                      <a:rPr lang="en-US" sz="3200" b="0" i="1" smtClean="0">
-                        <a:latin typeface="Cambria Math" panose="02040503050406030204" pitchFamily="18" charset="0"/>
-                      </a:rPr>
-                      <m:t>𝑜𝑟𝑖𝑔𝑖𝑛𝑎𝑙</m:t>
-                    </m:r>
-                    <m:r>
-                      <a:rPr lang="en-US" sz="3200" b="0" i="1" smtClean="0">
-                        <a:latin typeface="Cambria Math" panose="02040503050406030204" pitchFamily="18" charset="0"/>
-                      </a:rPr>
-                      <m:t>)  </m:t>
-                    </m:r>
-                  </m:oMath>
-                </a14:m>
-                <a:endParaRPr lang="en-US" sz="3200" dirty="0"/>
-              </a:p>
-              <a:p>
-                <a14:m>
-                  <m:oMath xmlns:m="http://schemas.openxmlformats.org/officeDocument/2006/math">
-                    <m:r>
-                      <a:rPr lang="en-US" sz="3200" i="1">
-                        <a:latin typeface="Cambria Math" panose="02040503050406030204" pitchFamily="18" charset="0"/>
-                      </a:rPr>
-                      <m:t>𝑓</m:t>
-                    </m:r>
-                    <m:d>
-                      <m:dPr>
-                        <m:ctrlPr>
-                          <a:rPr lang="en-US" sz="3200" i="1">
-                            <a:latin typeface="Cambria Math" panose="02040503050406030204" pitchFamily="18" charset="0"/>
-                          </a:rPr>
-                        </m:ctrlPr>
-                      </m:dPr>
-                      <m:e>
-                        <m:r>
-                          <a:rPr lang="en-US" sz="3200" i="1">
-                            <a:latin typeface="Cambria Math" panose="02040503050406030204" pitchFamily="18" charset="0"/>
-                          </a:rPr>
-                          <m:t>𝑥</m:t>
-                        </m:r>
-                        <m:r>
-                          <a:rPr lang="en-US" sz="3200" i="1">
-                            <a:latin typeface="Cambria Math" panose="02040503050406030204" pitchFamily="18" charset="0"/>
-                          </a:rPr>
-                          <m:t>±</m:t>
-                        </m:r>
-                        <m:r>
-                          <a:rPr lang="en-US" sz="3200" i="1">
-                            <a:latin typeface="Cambria Math" panose="02040503050406030204" pitchFamily="18" charset="0"/>
-                          </a:rPr>
-                          <m:t>h</m:t>
-                        </m:r>
-                      </m:e>
-                    </m:d>
-                    <m:r>
-                      <a:rPr lang="en-US" sz="3200" i="1">
-                        <a:latin typeface="Cambria Math" panose="02040503050406030204" pitchFamily="18" charset="0"/>
-                      </a:rPr>
-                      <m:t>𝑖𝑠</m:t>
-                    </m:r>
-                    <m:r>
-                      <a:rPr lang="en-US" sz="3200" i="1">
-                        <a:latin typeface="Cambria Math" panose="02040503050406030204" pitchFamily="18" charset="0"/>
-                      </a:rPr>
-                      <m:t> </m:t>
-                    </m:r>
-                    <m:r>
-                      <a:rPr lang="en-US" sz="3200" i="1">
-                        <a:latin typeface="Cambria Math" panose="02040503050406030204" pitchFamily="18" charset="0"/>
-                      </a:rPr>
-                      <m:t>𝑎</m:t>
-                    </m:r>
-                    <m:r>
-                      <a:rPr lang="en-US" sz="3200" i="1">
-                        <a:latin typeface="Cambria Math" panose="02040503050406030204" pitchFamily="18" charset="0"/>
-                      </a:rPr>
-                      <m:t> </m:t>
-                    </m:r>
-                    <m:r>
-                      <a:rPr lang="en-US" sz="3200" i="1">
-                        <a:latin typeface="Cambria Math" panose="02040503050406030204" pitchFamily="18" charset="0"/>
-                      </a:rPr>
-                      <m:t>h𝑜𝑟𝑖𝑧𝑜𝑛𝑡𝑎𝑙</m:t>
-                    </m:r>
-                    <m:r>
-                      <a:rPr lang="en-US" sz="3200" i="1">
-                        <a:latin typeface="Cambria Math" panose="02040503050406030204" pitchFamily="18" charset="0"/>
-                      </a:rPr>
-                      <m:t> </m:t>
-                    </m:r>
-                    <m:r>
-                      <a:rPr lang="en-US" sz="3200" i="1">
-                        <a:latin typeface="Cambria Math" panose="02040503050406030204" pitchFamily="18" charset="0"/>
-                      </a:rPr>
-                      <m:t>𝑠h𝑖𝑓𝑡</m:t>
-                    </m:r>
-                    <m:r>
-                      <a:rPr lang="en-US" sz="3200" i="1">
-                        <a:latin typeface="Cambria Math" panose="02040503050406030204" pitchFamily="18" charset="0"/>
-                      </a:rPr>
-                      <m:t>   (</m:t>
-                    </m:r>
-                    <m:r>
-                      <a:rPr lang="en-US" sz="3200" b="0" i="1" smtClean="0">
-                        <a:latin typeface="Cambria Math" panose="02040503050406030204" pitchFamily="18" charset="0"/>
-                      </a:rPr>
-                      <m:t>𝑚𝑜𝑣𝑒</m:t>
-                    </m:r>
-                    <m:r>
-                      <a:rPr lang="en-US" sz="3200" b="0" i="1" smtClean="0">
-                        <a:latin typeface="Cambria Math" panose="02040503050406030204" pitchFamily="18" charset="0"/>
-                      </a:rPr>
-                      <m:t> </m:t>
-                    </m:r>
-                    <m:r>
-                      <a:rPr lang="en-US" sz="3200" b="0" i="1" smtClean="0">
-                        <a:latin typeface="Cambria Math" panose="02040503050406030204" pitchFamily="18" charset="0"/>
-                      </a:rPr>
-                      <m:t>𝑙𝑒𝑓𝑡</m:t>
-                    </m:r>
-                    <m:r>
-                      <a:rPr lang="en-US" sz="3200" b="0" i="1" smtClean="0">
-                        <a:latin typeface="Cambria Math" panose="02040503050406030204" pitchFamily="18" charset="0"/>
-                      </a:rPr>
-                      <m:t> </m:t>
-                    </m:r>
-                    <m:r>
-                      <a:rPr lang="en-US" sz="3200" b="0" i="1" smtClean="0">
-                        <a:latin typeface="Cambria Math" panose="02040503050406030204" pitchFamily="18" charset="0"/>
-                      </a:rPr>
-                      <m:t>𝑎𝑛𝑑</m:t>
-                    </m:r>
-                    <m:r>
-                      <a:rPr lang="en-US" sz="3200" b="0" i="1" smtClean="0">
-                        <a:latin typeface="Cambria Math" panose="02040503050406030204" pitchFamily="18" charset="0"/>
-                      </a:rPr>
-                      <m:t> </m:t>
-                    </m:r>
-                    <m:r>
-                      <a:rPr lang="en-US" sz="3200" b="0" i="1" smtClean="0">
-                        <a:latin typeface="Cambria Math" panose="02040503050406030204" pitchFamily="18" charset="0"/>
-                      </a:rPr>
-                      <m:t>𝑟𝑖𝑔h𝑡</m:t>
-                    </m:r>
-                    <m:r>
-                      <a:rPr lang="en-US" sz="3200" b="0" i="1" smtClean="0">
-                        <a:latin typeface="Cambria Math" panose="02040503050406030204" pitchFamily="18" charset="0"/>
-                      </a:rPr>
-                      <m:t>)  </m:t>
-                    </m:r>
-                  </m:oMath>
-                </a14:m>
-                <a:endParaRPr lang="en-US" sz="3200" dirty="0"/>
-              </a:p>
-              <a:p>
-                <a14:m>
-                  <m:oMath xmlns:m="http://schemas.openxmlformats.org/officeDocument/2006/math">
-                    <m:r>
-                      <a:rPr lang="en-US" sz="3200" i="1">
-                        <a:latin typeface="Cambria Math" panose="02040503050406030204" pitchFamily="18" charset="0"/>
-                      </a:rPr>
-                      <m:t>𝑓</m:t>
-                    </m:r>
-                    <m:d>
-                      <m:dPr>
-                        <m:ctrlPr>
-                          <a:rPr lang="en-US" sz="3200" i="1">
-                            <a:latin typeface="Cambria Math" panose="02040503050406030204" pitchFamily="18" charset="0"/>
-                          </a:rPr>
-                        </m:ctrlPr>
-                      </m:dPr>
-                      <m:e>
-                        <m:r>
-                          <a:rPr lang="en-US" sz="3200" i="1">
-                            <a:latin typeface="Cambria Math" panose="02040503050406030204" pitchFamily="18" charset="0"/>
-                          </a:rPr>
-                          <m:t>𝑥</m:t>
-                        </m:r>
-                      </m:e>
-                    </m:d>
-                    <m:r>
-                      <a:rPr lang="en-US" sz="3200" i="1">
-                        <a:latin typeface="Cambria Math" panose="02040503050406030204" pitchFamily="18" charset="0"/>
-                      </a:rPr>
-                      <m:t>±</m:t>
-                    </m:r>
-                    <m:r>
-                      <a:rPr lang="en-US" sz="3200" i="1">
-                        <a:latin typeface="Cambria Math" panose="02040503050406030204" pitchFamily="18" charset="0"/>
-                      </a:rPr>
-                      <m:t>𝑘</m:t>
-                    </m:r>
-                    <m:r>
-                      <a:rPr lang="en-US" sz="3200" i="1">
-                        <a:latin typeface="Cambria Math" panose="02040503050406030204" pitchFamily="18" charset="0"/>
-                      </a:rPr>
-                      <m:t> </m:t>
-                    </m:r>
-                    <m:r>
-                      <a:rPr lang="en-US" sz="3200" i="1">
-                        <a:latin typeface="Cambria Math" panose="02040503050406030204" pitchFamily="18" charset="0"/>
-                      </a:rPr>
-                      <m:t>𝑖𝑠</m:t>
-                    </m:r>
-                    <m:r>
-                      <a:rPr lang="en-US" sz="3200" i="1">
-                        <a:latin typeface="Cambria Math" panose="02040503050406030204" pitchFamily="18" charset="0"/>
-                      </a:rPr>
-                      <m:t> </m:t>
-                    </m:r>
-                    <m:r>
-                      <a:rPr lang="en-US" sz="3200" i="1">
-                        <a:latin typeface="Cambria Math" panose="02040503050406030204" pitchFamily="18" charset="0"/>
-                      </a:rPr>
-                      <m:t>𝑎</m:t>
-                    </m:r>
-                    <m:r>
-                      <a:rPr lang="en-US" sz="3200" i="1">
-                        <a:latin typeface="Cambria Math" panose="02040503050406030204" pitchFamily="18" charset="0"/>
-                      </a:rPr>
-                      <m:t> </m:t>
-                    </m:r>
-                    <m:r>
-                      <a:rPr lang="en-US" sz="3200" i="1">
-                        <a:latin typeface="Cambria Math" panose="02040503050406030204" pitchFamily="18" charset="0"/>
-                      </a:rPr>
-                      <m:t>𝑣𝑒𝑟𝑡𝑖𝑐𝑎𝑙</m:t>
-                    </m:r>
-                    <m:r>
-                      <a:rPr lang="en-US" sz="3200" i="1">
-                        <a:latin typeface="Cambria Math" panose="02040503050406030204" pitchFamily="18" charset="0"/>
-                      </a:rPr>
-                      <m:t> </m:t>
-                    </m:r>
-                    <m:r>
-                      <a:rPr lang="en-US" sz="3200" i="1">
-                        <a:latin typeface="Cambria Math" panose="02040503050406030204" pitchFamily="18" charset="0"/>
-                      </a:rPr>
-                      <m:t>𝑠h𝑖𝑓𝑡</m:t>
-                    </m:r>
-                    <m:r>
-                      <a:rPr lang="en-US" sz="3200" b="0" i="1" smtClean="0">
-                        <a:latin typeface="Cambria Math" panose="02040503050406030204" pitchFamily="18" charset="0"/>
-                      </a:rPr>
-                      <m:t>        (</m:t>
-                    </m:r>
-                    <m:r>
-                      <a:rPr lang="en-US" sz="3200" b="0" i="1" smtClean="0">
-                        <a:latin typeface="Cambria Math" panose="02040503050406030204" pitchFamily="18" charset="0"/>
-                      </a:rPr>
-                      <m:t>𝑚𝑜𝑣𝑒</m:t>
-                    </m:r>
-                    <m:r>
-                      <a:rPr lang="en-US" sz="3200" b="0" i="1" smtClean="0">
-                        <a:latin typeface="Cambria Math" panose="02040503050406030204" pitchFamily="18" charset="0"/>
-                      </a:rPr>
-                      <m:t> </m:t>
-                    </m:r>
-                    <m:r>
-                      <a:rPr lang="en-US" sz="3200" b="0" i="1" smtClean="0">
-                        <a:latin typeface="Cambria Math" panose="02040503050406030204" pitchFamily="18" charset="0"/>
-                      </a:rPr>
-                      <m:t>𝑢𝑝</m:t>
-                    </m:r>
-                    <m:r>
-                      <a:rPr lang="en-US" sz="3200" b="0" i="1" smtClean="0">
-                        <a:latin typeface="Cambria Math" panose="02040503050406030204" pitchFamily="18" charset="0"/>
-                      </a:rPr>
-                      <m:t> </m:t>
-                    </m:r>
-                    <m:r>
-                      <a:rPr lang="en-US" sz="3200" b="0" i="1" smtClean="0">
-                        <a:latin typeface="Cambria Math" panose="02040503050406030204" pitchFamily="18" charset="0"/>
-                      </a:rPr>
-                      <m:t>𝑎𝑛𝑑</m:t>
-                    </m:r>
-                    <m:r>
-                      <a:rPr lang="en-US" sz="3200" b="0" i="1" smtClean="0">
-                        <a:latin typeface="Cambria Math" panose="02040503050406030204" pitchFamily="18" charset="0"/>
-                      </a:rPr>
-                      <m:t> </m:t>
-                    </m:r>
-                    <m:r>
-                      <a:rPr lang="en-US" sz="3200" b="0" i="1" smtClean="0">
-                        <a:latin typeface="Cambria Math" panose="02040503050406030204" pitchFamily="18" charset="0"/>
-                      </a:rPr>
-                      <m:t>𝑑𝑜𝑤𝑛</m:t>
-                    </m:r>
-                    <m:r>
-                      <a:rPr lang="en-US" sz="3200" b="0" i="1" smtClean="0">
-                        <a:latin typeface="Cambria Math" panose="02040503050406030204" pitchFamily="18" charset="0"/>
-                      </a:rPr>
-                      <m:t>)</m:t>
-                    </m:r>
-                  </m:oMath>
-                </a14:m>
-                <a:r>
-                  <a:rPr lang="en-US" sz="3200" b="1" dirty="0"/>
-                  <a:t>	</a:t>
-                </a:r>
-                <a:endParaRPr lang="en-US" sz="3200" dirty="0"/>
-              </a:p>
-              <a:p>
-                <a:pPr marL="0" indent="0">
-                  <a:buNone/>
-                </a:pPr>
-                <a:endParaRPr lang="en-US" sz="3000" i="1" dirty="0" smtClean="0">
-                  <a:latin typeface="Cambria Math" panose="02040503050406030204" pitchFamily="18" charset="0"/>
-                </a:endParaRPr>
-              </a:p>
-              <a:p>
-                <a:r>
-                  <a:rPr lang="en-US" sz="3200" dirty="0" smtClean="0"/>
-                  <a:t>When </a:t>
-                </a:r>
-                <a:r>
-                  <a:rPr lang="en-US" sz="3200" dirty="0"/>
-                  <a:t>you reflect a graph over the x-axis the y-values change signs and the x-values stay the same	</a:t>
-                </a:r>
-                <a:r>
-                  <a:rPr lang="en-US" sz="3200" dirty="0" smtClean="0"/>
-                  <a:t/>
-                </a:r>
-                <a:br>
-                  <a:rPr lang="en-US" sz="3200" dirty="0" smtClean="0"/>
-                </a:br>
-                <a14:m>
-                  <m:oMath xmlns:m="http://schemas.openxmlformats.org/officeDocument/2006/math">
-                    <m:r>
-                      <a:rPr lang="en-US" sz="3200" i="1">
-                        <a:latin typeface="Cambria Math" panose="02040503050406030204" pitchFamily="18" charset="0"/>
-                      </a:rPr>
-                      <m:t>𝑓</m:t>
-                    </m:r>
-                    <m:d>
-                      <m:dPr>
-                        <m:ctrlPr>
-                          <a:rPr lang="en-US" sz="3200" i="1">
-                            <a:latin typeface="Cambria Math" panose="02040503050406030204" pitchFamily="18" charset="0"/>
-                          </a:rPr>
-                        </m:ctrlPr>
-                      </m:dPr>
-                      <m:e>
-                        <m:r>
-                          <a:rPr lang="en-US" sz="3200" i="1">
-                            <a:latin typeface="Cambria Math" panose="02040503050406030204" pitchFamily="18" charset="0"/>
-                          </a:rPr>
-                          <m:t>𝑥</m:t>
-                        </m:r>
-                      </m:e>
-                    </m:d>
-                    <m:r>
-                      <a:rPr lang="en-US" sz="3200" i="1">
-                        <a:latin typeface="Cambria Math" panose="02040503050406030204" pitchFamily="18" charset="0"/>
-                      </a:rPr>
-                      <m:t>→ −</m:t>
-                    </m:r>
-                    <m:r>
-                      <a:rPr lang="en-US" sz="3200" i="1">
-                        <a:latin typeface="Cambria Math" panose="02040503050406030204" pitchFamily="18" charset="0"/>
-                      </a:rPr>
-                      <m:t>𝑓</m:t>
-                    </m:r>
-                    <m:r>
-                      <a:rPr lang="en-US" sz="3200" i="1">
-                        <a:latin typeface="Cambria Math" panose="02040503050406030204" pitchFamily="18" charset="0"/>
-                      </a:rPr>
-                      <m:t>(</m:t>
-                    </m:r>
-                    <m:r>
-                      <a:rPr lang="en-US" sz="3200" i="1">
-                        <a:latin typeface="Cambria Math" panose="02040503050406030204" pitchFamily="18" charset="0"/>
-                      </a:rPr>
-                      <m:t>𝑥</m:t>
-                    </m:r>
-                    <m:r>
-                      <a:rPr lang="en-US" sz="3200" i="1">
-                        <a:latin typeface="Cambria Math" panose="02040503050406030204" pitchFamily="18" charset="0"/>
-                      </a:rPr>
-                      <m:t>)</m:t>
-                    </m:r>
-                  </m:oMath>
-                </a14:m>
-                <a:r>
-                  <a:rPr lang="en-US" dirty="0"/>
-                  <a:t> </a:t>
-                </a:r>
-              </a:p>
-              <a:p>
-                <a:pPr marL="0" indent="0">
-                  <a:buNone/>
-                </a:pPr>
-                <a:endParaRPr lang="en-US" dirty="0"/>
-              </a:p>
-            </p:txBody>
-          </p:sp>
-        </mc:Choice>
-        <mc:Fallback xmlns="">
-          <p:sp>
-            <p:nvSpPr>
-              <p:cNvPr id="3" name="Content Placeholder 2"/>
-              <p:cNvSpPr>
-                <a:spLocks noGrp="1" noRot="1" noChangeAspect="1" noMove="1" noResize="1" noEditPoints="1" noAdjustHandles="1" noChangeArrowheads="1" noChangeShapeType="1" noTextEdit="1"/>
-              </p:cNvSpPr>
-              <p:nvPr>
-                <p:ph idx="1"/>
-              </p:nvPr>
-            </p:nvSpPr>
-            <p:spPr>
-              <a:xfrm>
-                <a:off x="1371599" y="1762699"/>
-                <a:ext cx="10635521" cy="4880471"/>
-              </a:xfrm>
-              <a:blipFill rotWithShape="0">
-                <a:blip r:embed="rId2"/>
-                <a:stretch>
-                  <a:fillRect l="-1318"/>
-                </a:stretch>
-              </a:blipFill>
-            </p:spPr>
-            <p:txBody>
-              <a:bodyPr/>
-              <a:lstStyle/>
-              <a:p>
-                <a:r>
-                  <a:rPr lang="en-US">
-                    <a:noFill/>
-                  </a:rPr>
-                  <a:t> </a:t>
-                </a:r>
-              </a:p>
-            </p:txBody>
-          </p:sp>
-        </mc:Fallback>
-      </mc:AlternateContent>
-    </p:spTree>
-    <p:extLst>
-      <p:ext uri="{BB962C8B-B14F-4D97-AF65-F5344CB8AC3E}">
-        <p14:creationId xmlns:p14="http://schemas.microsoft.com/office/powerpoint/2010/main" val="2881032968"/>
       </p:ext>
     </p:extLst>
   </p:cSld>
